--- a/Präsentation/Unit testen mit JUnit.pptx
+++ b/Präsentation/Unit testen mit JUnit.pptx
@@ -7,13 +7,15 @@
   <p:sldIdLst>
     <p:sldId id="256" r:id="rId2"/>
     <p:sldId id="257" r:id="rId3"/>
-    <p:sldId id="258" r:id="rId4"/>
-    <p:sldId id="259" r:id="rId5"/>
-    <p:sldId id="264" r:id="rId6"/>
+    <p:sldId id="265" r:id="rId4"/>
+    <p:sldId id="266" r:id="rId5"/>
+    <p:sldId id="258" r:id="rId6"/>
     <p:sldId id="260" r:id="rId7"/>
     <p:sldId id="261" r:id="rId8"/>
-    <p:sldId id="262" r:id="rId9"/>
-    <p:sldId id="263" r:id="rId10"/>
+    <p:sldId id="267" r:id="rId9"/>
+    <p:sldId id="268" r:id="rId10"/>
+    <p:sldId id="262" r:id="rId11"/>
+    <p:sldId id="263" r:id="rId12"/>
   </p:sldIdLst>
   <p:sldSz cx="12192000" cy="6858000"/>
   <p:notesSz cx="6858000" cy="9144000"/>
@@ -112,6 +114,11 @@
       </a:defRPr>
     </a:lvl9pPr>
   </p:defaultTextStyle>
+  <p:extLst>
+    <p:ext uri="{EFAFB233-063F-42B5-8137-9DF3F51BA10A}">
+      <p15:sldGuideLst xmlns:p15="http://schemas.microsoft.com/office/powerpoint/2012/main"/>
+    </p:ext>
+  </p:extLst>
 </p:presentation>
 </file>
 
@@ -301,7 +308,7 @@
           <a:p>
             <a:fld id="{7A7F3266-8C50-47C5-9640-6DA94069A4F9}" type="datetimeFigureOut">
               <a:rPr lang="de-DE" smtClean="0"/>
-              <a:t>12.04.2016</a:t>
+              <a:t>14.04.2016</a:t>
             </a:fld>
             <a:endParaRPr lang="de-DE"/>
           </a:p>
@@ -576,7 +583,7 @@
           <a:p>
             <a:fld id="{7A7F3266-8C50-47C5-9640-6DA94069A4F9}" type="datetimeFigureOut">
               <a:rPr lang="de-DE" smtClean="0"/>
-              <a:t>12.04.2016</a:t>
+              <a:t>14.04.2016</a:t>
             </a:fld>
             <a:endParaRPr lang="de-DE"/>
           </a:p>
@@ -770,7 +777,7 @@
           <a:p>
             <a:fld id="{7A7F3266-8C50-47C5-9640-6DA94069A4F9}" type="datetimeFigureOut">
               <a:rPr lang="de-DE" smtClean="0"/>
-              <a:t>12.04.2016</a:t>
+              <a:t>14.04.2016</a:t>
             </a:fld>
             <a:endParaRPr lang="de-DE"/>
           </a:p>
@@ -1043,7 +1050,7 @@
           <a:p>
             <a:fld id="{7A7F3266-8C50-47C5-9640-6DA94069A4F9}" type="datetimeFigureOut">
               <a:rPr lang="de-DE" smtClean="0"/>
-              <a:t>12.04.2016</a:t>
+              <a:t>14.04.2016</a:t>
             </a:fld>
             <a:endParaRPr lang="de-DE"/>
           </a:p>
@@ -1384,7 +1391,7 @@
           <a:p>
             <a:fld id="{7A7F3266-8C50-47C5-9640-6DA94069A4F9}" type="datetimeFigureOut">
               <a:rPr lang="de-DE" smtClean="0"/>
-              <a:t>12.04.2016</a:t>
+              <a:t>14.04.2016</a:t>
             </a:fld>
             <a:endParaRPr lang="de-DE"/>
           </a:p>
@@ -2007,7 +2014,7 @@
           <a:p>
             <a:fld id="{7A7F3266-8C50-47C5-9640-6DA94069A4F9}" type="datetimeFigureOut">
               <a:rPr lang="de-DE" smtClean="0"/>
-              <a:t>12.04.2016</a:t>
+              <a:t>14.04.2016</a:t>
             </a:fld>
             <a:endParaRPr lang="de-DE"/>
           </a:p>
@@ -2867,7 +2874,7 @@
           <a:p>
             <a:fld id="{7A7F3266-8C50-47C5-9640-6DA94069A4F9}" type="datetimeFigureOut">
               <a:rPr lang="de-DE" smtClean="0"/>
-              <a:t>12.04.2016</a:t>
+              <a:t>14.04.2016</a:t>
             </a:fld>
             <a:endParaRPr lang="de-DE"/>
           </a:p>
@@ -3037,7 +3044,7 @@
           <a:p>
             <a:fld id="{7A7F3266-8C50-47C5-9640-6DA94069A4F9}" type="datetimeFigureOut">
               <a:rPr lang="de-DE" smtClean="0"/>
-              <a:t>12.04.2016</a:t>
+              <a:t>14.04.2016</a:t>
             </a:fld>
             <a:endParaRPr lang="de-DE"/>
           </a:p>
@@ -3217,7 +3224,7 @@
           <a:p>
             <a:fld id="{7A7F3266-8C50-47C5-9640-6DA94069A4F9}" type="datetimeFigureOut">
               <a:rPr lang="de-DE" smtClean="0"/>
-              <a:t>12.04.2016</a:t>
+              <a:t>14.04.2016</a:t>
             </a:fld>
             <a:endParaRPr lang="de-DE"/>
           </a:p>
@@ -3387,7 +3394,7 @@
           <a:p>
             <a:fld id="{7A7F3266-8C50-47C5-9640-6DA94069A4F9}" type="datetimeFigureOut">
               <a:rPr lang="de-DE" smtClean="0"/>
-              <a:t>12.04.2016</a:t>
+              <a:t>14.04.2016</a:t>
             </a:fld>
             <a:endParaRPr lang="de-DE"/>
           </a:p>
@@ -3634,7 +3641,7 @@
           <a:p>
             <a:fld id="{7A7F3266-8C50-47C5-9640-6DA94069A4F9}" type="datetimeFigureOut">
               <a:rPr lang="de-DE" smtClean="0"/>
-              <a:t>12.04.2016</a:t>
+              <a:t>14.04.2016</a:t>
             </a:fld>
             <a:endParaRPr lang="de-DE"/>
           </a:p>
@@ -3926,7 +3933,7 @@
           <a:p>
             <a:fld id="{7A7F3266-8C50-47C5-9640-6DA94069A4F9}" type="datetimeFigureOut">
               <a:rPr lang="de-DE" smtClean="0"/>
-              <a:t>12.04.2016</a:t>
+              <a:t>14.04.2016</a:t>
             </a:fld>
             <a:endParaRPr lang="de-DE"/>
           </a:p>
@@ -4370,7 +4377,7 @@
           <a:p>
             <a:fld id="{7A7F3266-8C50-47C5-9640-6DA94069A4F9}" type="datetimeFigureOut">
               <a:rPr lang="de-DE" smtClean="0"/>
-              <a:t>12.04.2016</a:t>
+              <a:t>14.04.2016</a:t>
             </a:fld>
             <a:endParaRPr lang="de-DE"/>
           </a:p>
@@ -4488,7 +4495,7 @@
           <a:p>
             <a:fld id="{7A7F3266-8C50-47C5-9640-6DA94069A4F9}" type="datetimeFigureOut">
               <a:rPr lang="de-DE" smtClean="0"/>
-              <a:t>12.04.2016</a:t>
+              <a:t>14.04.2016</a:t>
             </a:fld>
             <a:endParaRPr lang="de-DE"/>
           </a:p>
@@ -4583,7 +4590,7 @@
           <a:p>
             <a:fld id="{7A7F3266-8C50-47C5-9640-6DA94069A4F9}" type="datetimeFigureOut">
               <a:rPr lang="de-DE" smtClean="0"/>
-              <a:t>12.04.2016</a:t>
+              <a:t>14.04.2016</a:t>
             </a:fld>
             <a:endParaRPr lang="de-DE"/>
           </a:p>
@@ -4862,7 +4869,7 @@
           <a:p>
             <a:fld id="{7A7F3266-8C50-47C5-9640-6DA94069A4F9}" type="datetimeFigureOut">
               <a:rPr lang="de-DE" smtClean="0"/>
-              <a:t>12.04.2016</a:t>
+              <a:t>14.04.2016</a:t>
             </a:fld>
             <a:endParaRPr lang="de-DE"/>
           </a:p>
@@ -5137,7 +5144,7 @@
           <a:p>
             <a:fld id="{7A7F3266-8C50-47C5-9640-6DA94069A4F9}" type="datetimeFigureOut">
               <a:rPr lang="de-DE" smtClean="0"/>
-              <a:t>12.04.2016</a:t>
+              <a:t>14.04.2016</a:t>
             </a:fld>
             <a:endParaRPr lang="de-DE"/>
           </a:p>
@@ -5566,7 +5573,7 @@
           <a:p>
             <a:fld id="{7A7F3266-8C50-47C5-9640-6DA94069A4F9}" type="datetimeFigureOut">
               <a:rPr lang="de-DE" smtClean="0"/>
-              <a:t>12.04.2016</a:t>
+              <a:t>14.04.2016</a:t>
             </a:fld>
             <a:endParaRPr lang="de-DE"/>
           </a:p>
@@ -6153,6 +6160,173 @@
 </p:sld>
 </file>
 
+<file path=ppt/slides/slide10.xml><?xml version="1.0" encoding="utf-8"?>
+<p:sld xmlns:a="http://schemas.openxmlformats.org/drawingml/2006/main" xmlns:r="http://schemas.openxmlformats.org/officeDocument/2006/relationships" xmlns:p="http://schemas.openxmlformats.org/presentationml/2006/main">
+  <p:cSld>
+    <p:spTree>
+      <p:nvGrpSpPr>
+        <p:cNvPr id="1" name=""/>
+        <p:cNvGrpSpPr/>
+        <p:nvPr/>
+      </p:nvGrpSpPr>
+      <p:grpSpPr>
+        <a:xfrm>
+          <a:off x="0" y="0"/>
+          <a:ext cx="0" cy="0"/>
+          <a:chOff x="0" y="0"/>
+          <a:chExt cx="0" cy="0"/>
+        </a:xfrm>
+      </p:grpSpPr>
+      <p:sp>
+        <p:nvSpPr>
+          <p:cNvPr id="4" name="Titel 3"/>
+          <p:cNvSpPr>
+            <a:spLocks noGrp="1"/>
+          </p:cNvSpPr>
+          <p:nvPr>
+            <p:ph type="title"/>
+          </p:nvPr>
+        </p:nvSpPr>
+        <p:spPr/>
+        <p:txBody>
+          <a:bodyPr/>
+          <a:lstStyle/>
+          <a:p>
+            <a:r>
+              <a:rPr lang="de-DE" dirty="0"/>
+              <a:t>Habt ihr noch irgendwelche Fragen?</a:t>
+            </a:r>
+          </a:p>
+        </p:txBody>
+      </p:sp>
+      <p:sp>
+        <p:nvSpPr>
+          <p:cNvPr id="5" name="Textplatzhalter 4"/>
+          <p:cNvSpPr>
+            <a:spLocks noGrp="1"/>
+          </p:cNvSpPr>
+          <p:nvPr>
+            <p:ph type="body" idx="1"/>
+          </p:nvPr>
+        </p:nvSpPr>
+        <p:spPr/>
+        <p:txBody>
+          <a:bodyPr/>
+          <a:lstStyle/>
+          <a:p>
+            <a:endParaRPr lang="de-DE"/>
+          </a:p>
+        </p:txBody>
+      </p:sp>
+    </p:spTree>
+    <p:extLst>
+      <p:ext uri="{BB962C8B-B14F-4D97-AF65-F5344CB8AC3E}">
+        <p14:creationId xmlns:p14="http://schemas.microsoft.com/office/powerpoint/2010/main" val="3469127689"/>
+      </p:ext>
+    </p:extLst>
+  </p:cSld>
+  <p:clrMapOvr>
+    <a:masterClrMapping/>
+  </p:clrMapOvr>
+</p:sld>
+</file>
+
+<file path=ppt/slides/slide11.xml><?xml version="1.0" encoding="utf-8"?>
+<p:sld xmlns:a="http://schemas.openxmlformats.org/drawingml/2006/main" xmlns:r="http://schemas.openxmlformats.org/officeDocument/2006/relationships" xmlns:p="http://schemas.openxmlformats.org/presentationml/2006/main">
+  <p:cSld>
+    <p:spTree>
+      <p:nvGrpSpPr>
+        <p:cNvPr id="1" name=""/>
+        <p:cNvGrpSpPr/>
+        <p:nvPr/>
+      </p:nvGrpSpPr>
+      <p:grpSpPr>
+        <a:xfrm>
+          <a:off x="0" y="0"/>
+          <a:ext cx="0" cy="0"/>
+          <a:chOff x="0" y="0"/>
+          <a:chExt cx="0" cy="0"/>
+        </a:xfrm>
+      </p:grpSpPr>
+      <p:sp>
+        <p:nvSpPr>
+          <p:cNvPr id="4" name="Titel 3"/>
+          <p:cNvSpPr>
+            <a:spLocks noGrp="1"/>
+          </p:cNvSpPr>
+          <p:nvPr>
+            <p:ph type="title"/>
+          </p:nvPr>
+        </p:nvSpPr>
+        <p:spPr/>
+        <p:txBody>
+          <a:bodyPr/>
+          <a:lstStyle/>
+          <a:p>
+            <a:r>
+              <a:rPr lang="de-DE" dirty="0"/>
+              <a:t>Quellen</a:t>
+            </a:r>
+          </a:p>
+        </p:txBody>
+      </p:sp>
+      <p:sp>
+        <p:nvSpPr>
+          <p:cNvPr id="5" name="Inhaltsplatzhalter 4"/>
+          <p:cNvSpPr>
+            <a:spLocks noGrp="1"/>
+          </p:cNvSpPr>
+          <p:nvPr>
+            <p:ph idx="1"/>
+          </p:nvPr>
+        </p:nvSpPr>
+        <p:spPr/>
+        <p:txBody>
+          <a:bodyPr>
+            <a:normAutofit/>
+          </a:bodyPr>
+          <a:lstStyle/>
+          <a:p>
+            <a:pPr>
+              <a:buFont typeface="Wingdings" panose="05000000000000000000" pitchFamily="2" charset="2"/>
+              <a:buChar char="§"/>
+            </a:pPr>
+            <a:r>
+              <a:rPr lang="de-DE" sz="2800" dirty="0">
+                <a:hlinkClick r:id="rId2"/>
+              </a:rPr>
+              <a:t>http://www.frankwestphal.de/UnitTestingmitJUnit.html</a:t>
+            </a:r>
+            <a:endParaRPr lang="de-DE" sz="2800" dirty="0"/>
+          </a:p>
+          <a:p>
+            <a:pPr>
+              <a:buFont typeface="Wingdings" panose="05000000000000000000" pitchFamily="2" charset="2"/>
+              <a:buChar char="§"/>
+            </a:pPr>
+            <a:r>
+              <a:rPr lang="de-DE" sz="2800" dirty="0">
+                <a:hlinkClick r:id="rId3"/>
+              </a:rPr>
+              <a:t>https://de.wikipedia.org/wiki/JUnit</a:t>
+            </a:r>
+            <a:endParaRPr lang="de-DE" sz="2800" dirty="0"/>
+          </a:p>
+        </p:txBody>
+      </p:sp>
+    </p:spTree>
+    <p:extLst>
+      <p:ext uri="{BB962C8B-B14F-4D97-AF65-F5344CB8AC3E}">
+        <p14:creationId xmlns:p14="http://schemas.microsoft.com/office/powerpoint/2010/main" val="2489423860"/>
+      </p:ext>
+    </p:extLst>
+  </p:cSld>
+  <p:clrMapOvr>
+    <a:masterClrMapping/>
+  </p:clrMapOvr>
+</p:sld>
+</file>
+
 <file path=ppt/slides/slide2.xml><?xml version="1.0" encoding="utf-8"?>
 <p:sld xmlns:a="http://schemas.openxmlformats.org/drawingml/2006/main" xmlns:r="http://schemas.openxmlformats.org/officeDocument/2006/relationships" xmlns:p="http://schemas.openxmlformats.org/presentationml/2006/main">
   <p:cSld>
@@ -6204,7 +6378,9 @@
         </p:nvSpPr>
         <p:spPr/>
         <p:txBody>
-          <a:bodyPr/>
+          <a:bodyPr>
+            <a:normAutofit/>
+          </a:bodyPr>
           <a:lstStyle/>
           <a:p>
             <a:pPr>
@@ -6212,8 +6388,8 @@
               <a:buChar char="§"/>
             </a:pPr>
             <a:r>
-              <a:rPr lang="de-DE" dirty="0"/>
-              <a:t>Funktionsweise</a:t>
+              <a:rPr lang="de-DE" sz="2800" dirty="0"/>
+              <a:t>Definition</a:t>
             </a:r>
           </a:p>
           <a:p>
@@ -6222,8 +6398,8 @@
               <a:buChar char="§"/>
             </a:pPr>
             <a:r>
-              <a:rPr lang="de-DE" dirty="0"/>
-              <a:t>Vorgehensweise</a:t>
+              <a:rPr lang="de-DE" sz="2800" dirty="0"/>
+              <a:t>Eigenschaften</a:t>
             </a:r>
           </a:p>
           <a:p>
@@ -6232,8 +6408,8 @@
               <a:buChar char="§"/>
             </a:pPr>
             <a:r>
-              <a:rPr lang="de-DE" dirty="0"/>
-              <a:t>Nutzen</a:t>
+              <a:rPr lang="de-DE" sz="2800" dirty="0"/>
+              <a:t>Funktionsweise</a:t>
             </a:r>
           </a:p>
           <a:p>
@@ -6242,7 +6418,7 @@
               <a:buChar char="§"/>
             </a:pPr>
             <a:r>
-              <a:rPr lang="de-DE" dirty="0"/>
+              <a:rPr lang="de-DE" sz="2800" dirty="0"/>
               <a:t>Struktur / Syntax</a:t>
             </a:r>
           </a:p>
@@ -6252,15 +6428,15 @@
               <a:buChar char="§"/>
             </a:pPr>
             <a:r>
-              <a:rPr lang="de-DE" dirty="0"/>
+              <a:rPr lang="de-DE" sz="2800" dirty="0"/>
               <a:t>Arbeiten mit </a:t>
             </a:r>
             <a:r>
-              <a:rPr lang="de-DE" dirty="0" err="1"/>
+              <a:rPr lang="de-DE" sz="2800" dirty="0" err="1"/>
               <a:t>JUnit</a:t>
             </a:r>
             <a:r>
-              <a:rPr lang="de-DE" dirty="0"/>
+              <a:rPr lang="de-DE" sz="2800" dirty="0"/>
               <a:t> Tests</a:t>
             </a:r>
           </a:p>
@@ -6269,7 +6445,7 @@
               <a:buFont typeface="Wingdings" panose="05000000000000000000" pitchFamily="2" charset="2"/>
               <a:buChar char="§"/>
             </a:pPr>
-            <a:endParaRPr lang="de-DE" dirty="0"/>
+            <a:endParaRPr lang="de-DE" sz="2800" dirty="0"/>
           </a:p>
         </p:txBody>
       </p:sp>
@@ -6320,7 +6496,7 @@
           <a:p>
             <a:r>
               <a:rPr lang="de-DE" dirty="0"/>
-              <a:t>Funktionsweise</a:t>
+              <a:t>Definition</a:t>
             </a:r>
           </a:p>
         </p:txBody>
@@ -6337,7 +6513,9 @@
         </p:nvSpPr>
         <p:spPr/>
         <p:txBody>
-          <a:bodyPr/>
+          <a:bodyPr>
+            <a:normAutofit/>
+          </a:bodyPr>
           <a:lstStyle/>
           <a:p>
             <a:pPr>
@@ -6345,47 +6523,280 @@
               <a:buChar char="§"/>
             </a:pPr>
             <a:r>
+              <a:rPr lang="de-DE" sz="2800" dirty="0"/>
+              <a:t>Ein Unit-Test ist ein Stück Programmcode, welches einen möglichst kleinen Teil der zu validierenden Software prüft. Hierbei testet jeder Test für sich nur einen Anwendungsfall und überprüft die Korrektheit der Ausführung. </a:t>
+            </a:r>
+          </a:p>
+        </p:txBody>
+      </p:sp>
+    </p:spTree>
+    <p:extLst>
+      <p:ext uri="{BB962C8B-B14F-4D97-AF65-F5344CB8AC3E}">
+        <p14:creationId xmlns:p14="http://schemas.microsoft.com/office/powerpoint/2010/main" val="2855248522"/>
+      </p:ext>
+    </p:extLst>
+  </p:cSld>
+  <p:clrMapOvr>
+    <a:masterClrMapping/>
+  </p:clrMapOvr>
+</p:sld>
+</file>
+
+<file path=ppt/slides/slide4.xml><?xml version="1.0" encoding="utf-8"?>
+<p:sld xmlns:a="http://schemas.openxmlformats.org/drawingml/2006/main" xmlns:r="http://schemas.openxmlformats.org/officeDocument/2006/relationships" xmlns:p="http://schemas.openxmlformats.org/presentationml/2006/main">
+  <p:cSld>
+    <p:spTree>
+      <p:nvGrpSpPr>
+        <p:cNvPr id="1" name=""/>
+        <p:cNvGrpSpPr/>
+        <p:nvPr/>
+      </p:nvGrpSpPr>
+      <p:grpSpPr>
+        <a:xfrm>
+          <a:off x="0" y="0"/>
+          <a:ext cx="0" cy="0"/>
+          <a:chOff x="0" y="0"/>
+          <a:chExt cx="0" cy="0"/>
+        </a:xfrm>
+      </p:grpSpPr>
+      <p:sp>
+        <p:nvSpPr>
+          <p:cNvPr id="2" name="Titel 1"/>
+          <p:cNvSpPr>
+            <a:spLocks noGrp="1"/>
+          </p:cNvSpPr>
+          <p:nvPr>
+            <p:ph type="title"/>
+          </p:nvPr>
+        </p:nvSpPr>
+        <p:spPr/>
+        <p:txBody>
+          <a:bodyPr/>
+          <a:lstStyle/>
+          <a:p>
+            <a:r>
               <a:rPr lang="de-DE" dirty="0"/>
-              <a:t>Ein </a:t>
-            </a:r>
-            <a:r>
-              <a:rPr lang="de-DE" dirty="0" err="1"/>
-              <a:t>JUnit</a:t>
-            </a:r>
-            <a:r>
-              <a:rPr lang="de-DE" dirty="0"/>
-              <a:t>-Test kennt nur zwei Ergebnisse:</a:t>
-            </a:r>
-          </a:p>
-          <a:p>
-            <a:pPr lvl="1">
-              <a:buFont typeface="Wingdings" panose="05000000000000000000" pitchFamily="2" charset="2"/>
-              <a:buChar char="§"/>
-            </a:pPr>
-            <a:r>
-              <a:rPr lang="de-DE" dirty="0"/>
-              <a:t>Er gelingt</a:t>
-            </a:r>
-          </a:p>
-          <a:p>
-            <a:pPr lvl="1">
-              <a:buFont typeface="Wingdings" panose="05000000000000000000" pitchFamily="2" charset="2"/>
-              <a:buChar char="§"/>
-            </a:pPr>
-            <a:r>
-              <a:rPr lang="de-DE" dirty="0"/>
-              <a:t>Oder er misslingt</a:t>
-            </a:r>
-          </a:p>
+              <a:t>Eigenschaften</a:t>
+            </a:r>
+          </a:p>
+        </p:txBody>
+      </p:sp>
+      <p:sp>
+        <p:nvSpPr>
+          <p:cNvPr id="3" name="Inhaltsplatzhalter 2"/>
+          <p:cNvSpPr>
+            <a:spLocks noGrp="1"/>
+          </p:cNvSpPr>
+          <p:nvPr>
+            <p:ph idx="1"/>
+          </p:nvPr>
+        </p:nvSpPr>
+        <p:spPr/>
+        <p:txBody>
+          <a:bodyPr/>
+          <a:lstStyle/>
           <a:p>
             <a:pPr>
               <a:buFont typeface="Wingdings" panose="05000000000000000000" pitchFamily="2" charset="2"/>
               <a:buChar char="§"/>
             </a:pPr>
             <a:r>
+              <a:rPr lang="de-DE" sz="2800" dirty="0"/>
+              <a:t>Automatisierbarkeit </a:t>
+            </a:r>
+          </a:p>
+          <a:p>
+            <a:pPr>
+              <a:buFont typeface="Wingdings" panose="05000000000000000000" pitchFamily="2" charset="2"/>
+              <a:buChar char="§"/>
+            </a:pPr>
+            <a:r>
+              <a:rPr lang="de-DE" sz="2800" dirty="0"/>
+              <a:t>Unabhängigkeit </a:t>
+            </a:r>
+          </a:p>
+          <a:p>
+            <a:pPr>
+              <a:buFont typeface="Wingdings" panose="05000000000000000000" pitchFamily="2" charset="2"/>
+              <a:buChar char="§"/>
+            </a:pPr>
+            <a:r>
+              <a:rPr lang="de-DE" sz="2800" dirty="0" err="1"/>
+              <a:t>Logikfokusiert</a:t>
+            </a:r>
+            <a:r>
+              <a:rPr lang="de-DE" sz="2800" dirty="0"/>
+              <a:t> </a:t>
+            </a:r>
+          </a:p>
+          <a:p>
+            <a:pPr>
+              <a:buFont typeface="Wingdings" panose="05000000000000000000" pitchFamily="2" charset="2"/>
+              <a:buChar char="§"/>
+            </a:pPr>
+            <a:r>
+              <a:rPr lang="de-DE" sz="2800" dirty="0"/>
+              <a:t>Simpel </a:t>
+            </a:r>
+          </a:p>
+          <a:p>
+            <a:pPr marL="0" indent="0">
+              <a:buNone/>
+            </a:pPr>
+            <a:endParaRPr lang="de-DE" dirty="0"/>
+          </a:p>
+        </p:txBody>
+      </p:sp>
+    </p:spTree>
+    <p:extLst>
+      <p:ext uri="{BB962C8B-B14F-4D97-AF65-F5344CB8AC3E}">
+        <p14:creationId xmlns:p14="http://schemas.microsoft.com/office/powerpoint/2010/main" val="2350410877"/>
+      </p:ext>
+    </p:extLst>
+  </p:cSld>
+  <p:clrMapOvr>
+    <a:masterClrMapping/>
+  </p:clrMapOvr>
+</p:sld>
+</file>
+
+<file path=ppt/slides/slide5.xml><?xml version="1.0" encoding="utf-8"?>
+<p:sld xmlns:a="http://schemas.openxmlformats.org/drawingml/2006/main" xmlns:r="http://schemas.openxmlformats.org/officeDocument/2006/relationships" xmlns:p="http://schemas.openxmlformats.org/presentationml/2006/main">
+  <p:cSld>
+    <p:spTree>
+      <p:nvGrpSpPr>
+        <p:cNvPr id="1" name=""/>
+        <p:cNvGrpSpPr/>
+        <p:nvPr/>
+      </p:nvGrpSpPr>
+      <p:grpSpPr>
+        <a:xfrm>
+          <a:off x="0" y="0"/>
+          <a:ext cx="0" cy="0"/>
+          <a:chOff x="0" y="0"/>
+          <a:chExt cx="0" cy="0"/>
+        </a:xfrm>
+      </p:grpSpPr>
+      <p:sp>
+        <p:nvSpPr>
+          <p:cNvPr id="2" name="Titel 1"/>
+          <p:cNvSpPr>
+            <a:spLocks noGrp="1"/>
+          </p:cNvSpPr>
+          <p:nvPr>
+            <p:ph type="title"/>
+          </p:nvPr>
+        </p:nvSpPr>
+        <p:spPr/>
+        <p:txBody>
+          <a:bodyPr/>
+          <a:lstStyle/>
+          <a:p>
+            <a:r>
               <a:rPr lang="de-DE" dirty="0"/>
-              <a:t>Das Misslingen kann nur die Ursache einen Fehler haben</a:t>
-            </a:r>
+              <a:t>Funktionsweise</a:t>
+            </a:r>
+          </a:p>
+        </p:txBody>
+      </p:sp>
+      <p:sp>
+        <p:nvSpPr>
+          <p:cNvPr id="3" name="Inhaltsplatzhalter 2"/>
+          <p:cNvSpPr>
+            <a:spLocks noGrp="1"/>
+          </p:cNvSpPr>
+          <p:nvPr>
+            <p:ph idx="1"/>
+          </p:nvPr>
+        </p:nvSpPr>
+        <p:spPr/>
+        <p:txBody>
+          <a:bodyPr>
+            <a:normAutofit/>
+          </a:bodyPr>
+          <a:lstStyle/>
+          <a:p>
+            <a:pPr>
+              <a:buFont typeface="Wingdings" panose="05000000000000000000" pitchFamily="2" charset="2"/>
+              <a:buChar char="§"/>
+            </a:pPr>
+            <a:r>
+              <a:rPr lang="de-DE" sz="2800" dirty="0"/>
+              <a:t>Ein Test wird vor dem eigentlichen Programm geschrieben</a:t>
+            </a:r>
+          </a:p>
+          <a:p>
+            <a:pPr>
+              <a:buFont typeface="Wingdings" panose="05000000000000000000" pitchFamily="2" charset="2"/>
+              <a:buChar char="§"/>
+            </a:pPr>
+            <a:r>
+              <a:rPr lang="de-DE" sz="2800" dirty="0"/>
+              <a:t>Ein </a:t>
+            </a:r>
+            <a:r>
+              <a:rPr lang="de-DE" sz="2800" dirty="0" err="1"/>
+              <a:t>JUnit</a:t>
+            </a:r>
+            <a:r>
+              <a:rPr lang="de-DE" sz="2800" dirty="0"/>
+              <a:t>-Test kennt nur zwei Ergebnisse:</a:t>
+            </a:r>
+          </a:p>
+          <a:p>
+            <a:pPr lvl="1">
+              <a:buFont typeface="Symbol" panose="05050102010706020507" pitchFamily="18" charset="2"/>
+              <a:buChar char="-"/>
+            </a:pPr>
+            <a:r>
+              <a:rPr lang="de-DE" sz="2800" dirty="0">
+                <a:solidFill>
+                  <a:srgbClr val="00B050"/>
+                </a:solidFill>
+              </a:rPr>
+              <a:t>(Grün)</a:t>
+            </a:r>
+          </a:p>
+          <a:p>
+            <a:pPr lvl="1">
+              <a:buFont typeface="Symbol" panose="05050102010706020507" pitchFamily="18" charset="2"/>
+              <a:buChar char="-"/>
+            </a:pPr>
+            <a:r>
+              <a:rPr lang="de-DE" sz="2800" dirty="0">
+                <a:solidFill>
+                  <a:srgbClr val="FF0000"/>
+                </a:solidFill>
+              </a:rPr>
+              <a:t>(Rot)</a:t>
+            </a:r>
+          </a:p>
+          <a:p>
+            <a:pPr lvl="2">
+              <a:buFont typeface="Symbol" panose="05050102010706020507" pitchFamily="18" charset="2"/>
+              <a:buChar char="-"/>
+            </a:pPr>
+            <a:r>
+              <a:rPr lang="de-DE" sz="2800" dirty="0"/>
+              <a:t>Fehler</a:t>
+            </a:r>
+          </a:p>
+          <a:p>
+            <a:pPr lvl="2">
+              <a:buFont typeface="Symbol" panose="05050102010706020507" pitchFamily="18" charset="2"/>
+              <a:buChar char="-"/>
+            </a:pPr>
+            <a:r>
+              <a:rPr lang="de-DE" sz="2800" dirty="0"/>
+              <a:t>Falsches Ergebnis</a:t>
+            </a:r>
+          </a:p>
+          <a:p>
+            <a:pPr>
+              <a:buFont typeface="Wingdings" panose="05000000000000000000" pitchFamily="2" charset="2"/>
+              <a:buChar char="§"/>
+            </a:pPr>
+            <a:endParaRPr lang="de-DE" sz="3200" dirty="0"/>
           </a:p>
         </p:txBody>
       </p:sp>
@@ -6443,148 +6854,6 @@
 </p:sld>
 </file>
 
-<file path=ppt/slides/slide4.xml><?xml version="1.0" encoding="utf-8"?>
-<p:sld xmlns:a="http://schemas.openxmlformats.org/drawingml/2006/main" xmlns:r="http://schemas.openxmlformats.org/officeDocument/2006/relationships" xmlns:p="http://schemas.openxmlformats.org/presentationml/2006/main">
-  <p:cSld>
-    <p:spTree>
-      <p:nvGrpSpPr>
-        <p:cNvPr id="1" name=""/>
-        <p:cNvGrpSpPr/>
-        <p:nvPr/>
-      </p:nvGrpSpPr>
-      <p:grpSpPr>
-        <a:xfrm>
-          <a:off x="0" y="0"/>
-          <a:ext cx="0" cy="0"/>
-          <a:chOff x="0" y="0"/>
-          <a:chExt cx="0" cy="0"/>
-        </a:xfrm>
-      </p:grpSpPr>
-      <p:sp>
-        <p:nvSpPr>
-          <p:cNvPr id="2" name="Titel 1"/>
-          <p:cNvSpPr>
-            <a:spLocks noGrp="1"/>
-          </p:cNvSpPr>
-          <p:nvPr>
-            <p:ph type="title"/>
-          </p:nvPr>
-        </p:nvSpPr>
-        <p:spPr/>
-        <p:txBody>
-          <a:bodyPr/>
-          <a:lstStyle/>
-          <a:p>
-            <a:r>
-              <a:rPr lang="de-DE" dirty="0"/>
-              <a:t>Vorgehensweise</a:t>
-            </a:r>
-          </a:p>
-        </p:txBody>
-      </p:sp>
-      <p:sp>
-        <p:nvSpPr>
-          <p:cNvPr id="3" name="Inhaltsplatzhalter 2"/>
-          <p:cNvSpPr>
-            <a:spLocks noGrp="1"/>
-          </p:cNvSpPr>
-          <p:nvPr>
-            <p:ph idx="1"/>
-          </p:nvPr>
-        </p:nvSpPr>
-        <p:spPr/>
-        <p:txBody>
-          <a:bodyPr/>
-          <a:lstStyle/>
-          <a:p>
-            <a:endParaRPr lang="de-DE"/>
-          </a:p>
-        </p:txBody>
-      </p:sp>
-    </p:spTree>
-    <p:extLst>
-      <p:ext uri="{BB962C8B-B14F-4D97-AF65-F5344CB8AC3E}">
-        <p14:creationId xmlns:p14="http://schemas.microsoft.com/office/powerpoint/2010/main" val="4066441265"/>
-      </p:ext>
-    </p:extLst>
-  </p:cSld>
-  <p:clrMapOvr>
-    <a:masterClrMapping/>
-  </p:clrMapOvr>
-</p:sld>
-</file>
-
-<file path=ppt/slides/slide5.xml><?xml version="1.0" encoding="utf-8"?>
-<p:sld xmlns:a="http://schemas.openxmlformats.org/drawingml/2006/main" xmlns:r="http://schemas.openxmlformats.org/officeDocument/2006/relationships" xmlns:p="http://schemas.openxmlformats.org/presentationml/2006/main">
-  <p:cSld>
-    <p:spTree>
-      <p:nvGrpSpPr>
-        <p:cNvPr id="1" name=""/>
-        <p:cNvGrpSpPr/>
-        <p:nvPr/>
-      </p:nvGrpSpPr>
-      <p:grpSpPr>
-        <a:xfrm>
-          <a:off x="0" y="0"/>
-          <a:ext cx="0" cy="0"/>
-          <a:chOff x="0" y="0"/>
-          <a:chExt cx="0" cy="0"/>
-        </a:xfrm>
-      </p:grpSpPr>
-      <p:sp>
-        <p:nvSpPr>
-          <p:cNvPr id="2" name="Titel 1"/>
-          <p:cNvSpPr>
-            <a:spLocks noGrp="1"/>
-          </p:cNvSpPr>
-          <p:nvPr>
-            <p:ph type="title"/>
-          </p:nvPr>
-        </p:nvSpPr>
-        <p:spPr/>
-        <p:txBody>
-          <a:bodyPr/>
-          <a:lstStyle/>
-          <a:p>
-            <a:r>
-              <a:rPr lang="de-DE" dirty="0"/>
-              <a:t>Nutzen</a:t>
-            </a:r>
-          </a:p>
-        </p:txBody>
-      </p:sp>
-      <p:sp>
-        <p:nvSpPr>
-          <p:cNvPr id="3" name="Inhaltsplatzhalter 2"/>
-          <p:cNvSpPr>
-            <a:spLocks noGrp="1"/>
-          </p:cNvSpPr>
-          <p:nvPr>
-            <p:ph idx="1"/>
-          </p:nvPr>
-        </p:nvSpPr>
-        <p:spPr/>
-        <p:txBody>
-          <a:bodyPr/>
-          <a:lstStyle/>
-          <a:p>
-            <a:endParaRPr lang="de-DE"/>
-          </a:p>
-        </p:txBody>
-      </p:sp>
-    </p:spTree>
-    <p:extLst>
-      <p:ext uri="{BB962C8B-B14F-4D97-AF65-F5344CB8AC3E}">
-        <p14:creationId xmlns:p14="http://schemas.microsoft.com/office/powerpoint/2010/main" val="1672801506"/>
-      </p:ext>
-    </p:extLst>
-  </p:cSld>
-  <p:clrMapOvr>
-    <a:masterClrMapping/>
-  </p:clrMapOvr>
-</p:sld>
-</file>
-
 <file path=ppt/slides/slide6.xml><?xml version="1.0" encoding="utf-8"?>
 <p:sld xmlns:a="http://schemas.openxmlformats.org/drawingml/2006/main" xmlns:r="http://schemas.openxmlformats.org/officeDocument/2006/relationships" xmlns:p="http://schemas.openxmlformats.org/presentationml/2006/main">
   <p:cSld>
@@ -6639,7 +6908,11 @@
           <a:bodyPr/>
           <a:lstStyle/>
           <a:p>
-            <a:endParaRPr lang="de-DE"/>
+            <a:pPr>
+              <a:buFont typeface="Wingdings" panose="05000000000000000000" pitchFamily="2" charset="2"/>
+              <a:buChar char="§"/>
+            </a:pPr>
+            <a:endParaRPr lang="de-DE" dirty="0"/>
           </a:p>
         </p:txBody>
       </p:sp>
@@ -6703,25 +6976,65 @@
           </a:p>
         </p:txBody>
       </p:sp>
-      <p:sp>
-        <p:nvSpPr>
-          <p:cNvPr id="3" name="Inhaltsplatzhalter 2"/>
-          <p:cNvSpPr>
-            <a:spLocks noGrp="1"/>
-          </p:cNvSpPr>
+      <p:pic>
+        <p:nvPicPr>
+          <p:cNvPr id="4" name="Inhaltsplatzhalter 3"/>
+          <p:cNvPicPr>
+            <a:picLocks noGrp="1" noChangeAspect="1"/>
+          </p:cNvPicPr>
           <p:nvPr>
             <p:ph idx="1"/>
           </p:nvPr>
-        </p:nvSpPr>
-        <p:spPr/>
-        <p:txBody>
-          <a:bodyPr/>
-          <a:lstStyle/>
-          <a:p>
-            <a:endParaRPr lang="de-DE"/>
-          </a:p>
-        </p:txBody>
-      </p:sp>
+        </p:nvPicPr>
+        <p:blipFill>
+          <a:blip r:embed="rId2">
+            <a:extLst>
+              <a:ext uri="{28A0092B-C50C-407E-A947-70E740481C1C}">
+                <a14:useLocalDpi xmlns:a14="http://schemas.microsoft.com/office/drawing/2010/main" val="0"/>
+              </a:ext>
+            </a:extLst>
+          </a:blip>
+          <a:stretch>
+            <a:fillRect/>
+          </a:stretch>
+        </p:blipFill>
+        <p:spPr>
+          <a:xfrm>
+            <a:off x="6491151" y="1742664"/>
+            <a:ext cx="5056416" cy="3755847"/>
+          </a:xfrm>
+        </p:spPr>
+      </p:pic>
+      <p:pic>
+        <p:nvPicPr>
+          <p:cNvPr id="5" name="Grafik 4"/>
+          <p:cNvPicPr>
+            <a:picLocks noChangeAspect="1"/>
+          </p:cNvPicPr>
+          <p:nvPr/>
+        </p:nvPicPr>
+        <p:blipFill>
+          <a:blip r:embed="rId3">
+            <a:extLst>
+              <a:ext uri="{28A0092B-C50C-407E-A947-70E740481C1C}">
+                <a14:useLocalDpi xmlns:a14="http://schemas.microsoft.com/office/drawing/2010/main" val="0"/>
+              </a:ext>
+            </a:extLst>
+          </a:blip>
+          <a:stretch>
+            <a:fillRect/>
+          </a:stretch>
+        </p:blipFill>
+        <p:spPr>
+          <a:xfrm>
+            <a:off x="646111" y="1742664"/>
+            <a:ext cx="5497420" cy="4170456"/>
+          </a:xfrm>
+          <a:prstGeom prst="rect">
+            <a:avLst/>
+          </a:prstGeom>
+        </p:spPr>
+      </p:pic>
     </p:spTree>
     <p:extLst>
       <p:ext uri="{BB962C8B-B14F-4D97-AF65-F5344CB8AC3E}">
@@ -6754,7 +7067,7 @@
       </p:grpSpPr>
       <p:sp>
         <p:nvSpPr>
-          <p:cNvPr id="4" name="Titel 3"/>
+          <p:cNvPr id="2" name="Titel 1"/>
           <p:cNvSpPr>
             <a:spLocks noGrp="1"/>
           </p:cNvSpPr>
@@ -6769,34 +7082,94 @@
           <a:p>
             <a:r>
               <a:rPr lang="de-DE" dirty="0"/>
-              <a:t>Habt ihr noch irgendwelche Fragen?</a:t>
-            </a:r>
-          </a:p>
-        </p:txBody>
-      </p:sp>
-      <p:sp>
-        <p:nvSpPr>
-          <p:cNvPr id="5" name="Textplatzhalter 4"/>
-          <p:cNvSpPr>
-            <a:spLocks noGrp="1"/>
-          </p:cNvSpPr>
-          <p:nvPr>
-            <p:ph type="body" idx="1"/>
-          </p:nvPr>
-        </p:nvSpPr>
-        <p:spPr/>
-        <p:txBody>
-          <a:bodyPr/>
-          <a:lstStyle/>
-          <a:p>
-            <a:endParaRPr lang="de-DE"/>
+              <a:t>Arbeiten mit </a:t>
+            </a:r>
+            <a:r>
+              <a:rPr lang="de-DE" dirty="0" err="1"/>
+              <a:t>Junit</a:t>
+            </a:r>
+            <a:r>
+              <a:rPr lang="de-DE" dirty="0"/>
+              <a:t> Tests</a:t>
+            </a:r>
+          </a:p>
+        </p:txBody>
+      </p:sp>
+      <p:sp>
+        <p:nvSpPr>
+          <p:cNvPr id="3" name="Inhaltsplatzhalter 2"/>
+          <p:cNvSpPr>
+            <a:spLocks noGrp="1"/>
+          </p:cNvSpPr>
+          <p:nvPr>
+            <p:ph idx="1"/>
+          </p:nvPr>
+        </p:nvSpPr>
+        <p:spPr/>
+        <p:txBody>
+          <a:bodyPr>
+            <a:normAutofit/>
+          </a:bodyPr>
+          <a:lstStyle/>
+          <a:p>
+            <a:pPr>
+              <a:buFont typeface="Wingdings" panose="05000000000000000000" pitchFamily="2" charset="2"/>
+              <a:buChar char="§"/>
+            </a:pPr>
+            <a:r>
+              <a:rPr lang="de-DE" sz="2800" dirty="0" err="1"/>
+              <a:t>assertTrue</a:t>
+            </a:r>
+            <a:r>
+              <a:rPr lang="de-DE" sz="2800" dirty="0"/>
+              <a:t>(</a:t>
+            </a:r>
+            <a:r>
+              <a:rPr lang="de-DE" sz="2800" dirty="0" err="1"/>
+              <a:t>boolean</a:t>
+            </a:r>
+            <a:r>
+              <a:rPr lang="de-DE" sz="2800" dirty="0"/>
+              <a:t> </a:t>
+            </a:r>
+            <a:r>
+              <a:rPr lang="de-DE" sz="2800" dirty="0" err="1"/>
+              <a:t>condition</a:t>
+            </a:r>
+            <a:r>
+              <a:rPr lang="de-DE" sz="2800" dirty="0"/>
+              <a:t>)</a:t>
+            </a:r>
+          </a:p>
+          <a:p>
+            <a:pPr>
+              <a:buFont typeface="Wingdings" panose="05000000000000000000" pitchFamily="2" charset="2"/>
+              <a:buChar char="§"/>
+            </a:pPr>
+            <a:endParaRPr lang="de-DE" sz="2800" dirty="0"/>
+          </a:p>
+          <a:p>
+            <a:pPr marL="0" indent="0">
+              <a:buNone/>
+            </a:pPr>
+            <a:endParaRPr lang="de-DE" sz="2800" dirty="0"/>
+          </a:p>
+          <a:p>
+            <a:pPr>
+              <a:buFont typeface="Wingdings" panose="05000000000000000000" pitchFamily="2" charset="2"/>
+              <a:buChar char="§"/>
+            </a:pPr>
+            <a:r>
+              <a:rPr lang="de-DE" sz="2800" dirty="0"/>
+              <a:t>http://junit.sourceforge.net/javadoc/org/junit/Assert.html</a:t>
+            </a:r>
           </a:p>
         </p:txBody>
       </p:sp>
     </p:spTree>
     <p:extLst>
       <p:ext uri="{BB962C8B-B14F-4D97-AF65-F5344CB8AC3E}">
-        <p14:creationId xmlns:p14="http://schemas.microsoft.com/office/powerpoint/2010/main" val="3469127689"/>
+        <p14:creationId xmlns:p14="http://schemas.microsoft.com/office/powerpoint/2010/main" val="1540693615"/>
       </p:ext>
     </p:extLst>
   </p:cSld>
@@ -6825,7 +7198,7 @@
       </p:grpSpPr>
       <p:sp>
         <p:nvSpPr>
-          <p:cNvPr id="4" name="Titel 3"/>
+          <p:cNvPr id="2" name="Titel 1"/>
           <p:cNvSpPr>
             <a:spLocks noGrp="1"/>
           </p:cNvSpPr>
@@ -6840,43 +7213,171 @@
           <a:p>
             <a:r>
               <a:rPr lang="de-DE" dirty="0"/>
-              <a:t>Quellen</a:t>
-            </a:r>
-          </a:p>
-        </p:txBody>
-      </p:sp>
-      <p:sp>
-        <p:nvSpPr>
-          <p:cNvPr id="5" name="Inhaltsplatzhalter 4"/>
-          <p:cNvSpPr>
-            <a:spLocks noGrp="1"/>
-          </p:cNvSpPr>
+              <a:t>Arbeiten mit </a:t>
+            </a:r>
+            <a:r>
+              <a:rPr lang="de-DE" dirty="0" err="1"/>
+              <a:t>JUnit</a:t>
+            </a:r>
+            <a:r>
+              <a:rPr lang="de-DE" dirty="0"/>
+              <a:t> Tests</a:t>
+            </a:r>
+          </a:p>
+        </p:txBody>
+      </p:sp>
+      <p:pic>
+        <p:nvPicPr>
+          <p:cNvPr id="4" name="Inhaltsplatzhalter 3"/>
+          <p:cNvPicPr>
+            <a:picLocks noGrp="1" noChangeAspect="1"/>
+          </p:cNvPicPr>
           <p:nvPr>
             <p:ph idx="1"/>
           </p:nvPr>
-        </p:nvSpPr>
-        <p:spPr/>
-        <p:txBody>
-          <a:bodyPr/>
-          <a:lstStyle/>
-          <a:p>
-            <a:r>
-              <a:rPr lang="de-DE" dirty="0"/>
-              <a:t>http://www.frankwestphal.de/UnitTestingmitJUnit.html</a:t>
-            </a:r>
-          </a:p>
-        </p:txBody>
-      </p:sp>
+        </p:nvPicPr>
+        <p:blipFill>
+          <a:blip r:embed="rId2">
+            <a:extLst>
+              <a:ext uri="{28A0092B-C50C-407E-A947-70E740481C1C}">
+                <a14:useLocalDpi xmlns:a14="http://schemas.microsoft.com/office/drawing/2010/main" val="0"/>
+              </a:ext>
+            </a:extLst>
+          </a:blip>
+          <a:stretch>
+            <a:fillRect/>
+          </a:stretch>
+        </p:blipFill>
+        <p:spPr>
+          <a:xfrm>
+            <a:off x="640360" y="1320902"/>
+            <a:ext cx="4888612" cy="4531257"/>
+          </a:xfrm>
+        </p:spPr>
+      </p:pic>
+      <p:pic>
+        <p:nvPicPr>
+          <p:cNvPr id="5" name="Grafik 4"/>
+          <p:cNvPicPr>
+            <a:picLocks noChangeAspect="1"/>
+          </p:cNvPicPr>
+          <p:nvPr/>
+        </p:nvPicPr>
+        <p:blipFill>
+          <a:blip r:embed="rId3">
+            <a:extLst>
+              <a:ext uri="{28A0092B-C50C-407E-A947-70E740481C1C}">
+                <a14:useLocalDpi xmlns:a14="http://schemas.microsoft.com/office/drawing/2010/main" val="0"/>
+              </a:ext>
+            </a:extLst>
+          </a:blip>
+          <a:stretch>
+            <a:fillRect/>
+          </a:stretch>
+        </p:blipFill>
+        <p:spPr>
+          <a:xfrm>
+            <a:off x="5947729" y="1320902"/>
+            <a:ext cx="4883816" cy="5140858"/>
+          </a:xfrm>
+          <a:prstGeom prst="rect">
+            <a:avLst/>
+          </a:prstGeom>
+        </p:spPr>
+      </p:pic>
     </p:spTree>
     <p:extLst>
       <p:ext uri="{BB962C8B-B14F-4D97-AF65-F5344CB8AC3E}">
-        <p14:creationId xmlns:p14="http://schemas.microsoft.com/office/powerpoint/2010/main" val="2489423860"/>
+        <p14:creationId xmlns:p14="http://schemas.microsoft.com/office/powerpoint/2010/main" val="514714727"/>
       </p:ext>
     </p:extLst>
   </p:cSld>
   <p:clrMapOvr>
     <a:masterClrMapping/>
   </p:clrMapOvr>
+  <p:timing>
+    <p:tnLst>
+      <p:par>
+        <p:cTn id="1" dur="indefinite" restart="never" nodeType="tmRoot">
+          <p:childTnLst>
+            <p:seq concurrent="1" nextAc="seek">
+              <p:cTn id="2" dur="indefinite" nodeType="mainSeq">
+                <p:childTnLst>
+                  <p:par>
+                    <p:cTn id="3" fill="hold">
+                      <p:stCondLst>
+                        <p:cond delay="indefinite"/>
+                      </p:stCondLst>
+                      <p:childTnLst>
+                        <p:par>
+                          <p:cTn id="4" fill="hold">
+                            <p:stCondLst>
+                              <p:cond delay="0"/>
+                            </p:stCondLst>
+                            <p:childTnLst>
+                              <p:par>
+                                <p:cTn id="5" presetID="10" presetClass="entr" presetSubtype="0" fill="hold" nodeType="clickEffect">
+                                  <p:stCondLst>
+                                    <p:cond delay="0"/>
+                                  </p:stCondLst>
+                                  <p:childTnLst>
+                                    <p:set>
+                                      <p:cBhvr>
+                                        <p:cTn id="6" dur="1" fill="hold">
+                                          <p:stCondLst>
+                                            <p:cond delay="0"/>
+                                          </p:stCondLst>
+                                        </p:cTn>
+                                        <p:tgtEl>
+                                          <p:spTgt spid="5"/>
+                                        </p:tgtEl>
+                                        <p:attrNameLst>
+                                          <p:attrName>style.visibility</p:attrName>
+                                        </p:attrNameLst>
+                                      </p:cBhvr>
+                                      <p:to>
+                                        <p:strVal val="visible"/>
+                                      </p:to>
+                                    </p:set>
+                                    <p:animEffect transition="in" filter="fade">
+                                      <p:cBhvr>
+                                        <p:cTn id="7" dur="500"/>
+                                        <p:tgtEl>
+                                          <p:spTgt spid="5"/>
+                                        </p:tgtEl>
+                                      </p:cBhvr>
+                                    </p:animEffect>
+                                  </p:childTnLst>
+                                </p:cTn>
+                              </p:par>
+                            </p:childTnLst>
+                          </p:cTn>
+                        </p:par>
+                      </p:childTnLst>
+                    </p:cTn>
+                  </p:par>
+                </p:childTnLst>
+              </p:cTn>
+              <p:prevCondLst>
+                <p:cond evt="onPrev" delay="0">
+                  <p:tgtEl>
+                    <p:sldTgt/>
+                  </p:tgtEl>
+                </p:cond>
+              </p:prevCondLst>
+              <p:nextCondLst>
+                <p:cond evt="onNext" delay="0">
+                  <p:tgtEl>
+                    <p:sldTgt/>
+                  </p:tgtEl>
+                </p:cond>
+              </p:nextCondLst>
+            </p:seq>
+          </p:childTnLst>
+        </p:cTn>
+      </p:par>
+    </p:tnLst>
+  </p:timing>
 </p:sld>
 </file>
 

--- a/Präsentation/Unit testen mit JUnit.pptx
+++ b/Präsentation/Unit testen mit JUnit.pptx
@@ -603,10 +603,9 @@
               <a:t>synataktischer</a:t>
             </a:r>
             <a:r>
-              <a:rPr lang="de-DE" baseline="0"/>
+              <a:rPr lang="de-DE" baseline="0" dirty="0"/>
               <a:t> Aufbau</a:t>
             </a:r>
-            <a:endParaRPr lang="de-DE" baseline="0" dirty="0"/>
           </a:p>
           <a:p>
             <a:pPr marL="171450" indent="-171450">
@@ -615,7 +614,15 @@
             </a:pPr>
             <a:r>
               <a:rPr lang="de-DE" baseline="0" dirty="0"/>
-              <a:t>Arbeiten mit JUnit</a:t>
+              <a:t>Arbeiten mit </a:t>
+            </a:r>
+            <a:r>
+              <a:rPr lang="de-DE" baseline="0" dirty="0" err="1"/>
+              <a:t>Junit</a:t>
+            </a:r>
+            <a:r>
+              <a:rPr lang="de-DE" baseline="0" dirty="0"/>
+              <a:t>: Anhand von praktischen Beispielen</a:t>
             </a:r>
           </a:p>
           <a:p>
@@ -1076,7 +1083,14 @@
           <a:bodyPr/>
           <a:lstStyle/>
           <a:p>
-            <a:endParaRPr lang="de-DE" dirty="0"/>
+            <a:r>
+              <a:rPr lang="de-DE" dirty="0"/>
+              <a:t>Ablauf</a:t>
+            </a:r>
+            <a:r>
+              <a:rPr lang="de-DE" baseline="0" dirty="0"/>
+              <a:t> wenn man programmiert mit JUnit</a:t>
+            </a:r>
           </a:p>
         </p:txBody>
       </p:sp>
@@ -1513,13 +1527,18 @@
             </a:pPr>
             <a:r>
               <a:rPr lang="de-DE" baseline="0" dirty="0"/>
-              <a:t>Es werden logische </a:t>
-            </a:r>
-            <a:r>
-              <a:rPr lang="de-DE" baseline="0"/>
-              <a:t>Funktionen verwendet. </a:t>
-            </a:r>
-            <a:endParaRPr lang="de-DE" baseline="0" dirty="0"/>
+              <a:t>Es werden logische Funktionen verwendet. </a:t>
+            </a:r>
+          </a:p>
+          <a:p>
+            <a:pPr marL="171450" indent="-171450">
+              <a:buFontTx/>
+              <a:buChar char="-"/>
+            </a:pPr>
+            <a:r>
+              <a:rPr lang="de-DE" baseline="0" dirty="0"/>
+              <a:t>Tests sind einfach zu schreiben und ohne große Einarbeitungszeit schnell und einfach zu verstehen</a:t>
+            </a:r>
           </a:p>
           <a:p>
             <a:endParaRPr lang="de-DE" dirty="0"/>
@@ -1827,7 +1846,6 @@
               </a:rPr>
               <a:t> und seiner Funktionen werden Tests erstellt</a:t>
             </a:r>
-            <a:endParaRPr lang="de-DE" dirty="0"/>
           </a:p>
         </p:txBody>
       </p:sp>
@@ -1911,6 +1929,54 @@
           <a:bodyPr/>
           <a:lstStyle/>
           <a:p>
+            <a:pPr marL="0" marR="0" indent="0" algn="l" defTabSz="914400" rtl="0" eaLnBrk="1" fontAlgn="auto" latinLnBrk="0" hangingPunct="1">
+              <a:lnSpc>
+                <a:spcPct val="100000"/>
+              </a:lnSpc>
+              <a:spcBef>
+                <a:spcPts val="0"/>
+              </a:spcBef>
+              <a:spcAft>
+                <a:spcPts val="0"/>
+              </a:spcAft>
+              <a:buClrTx/>
+              <a:buSzTx/>
+              <a:buFontTx/>
+              <a:buNone/>
+              <a:tabLst/>
+              <a:defRPr/>
+            </a:pPr>
+            <a:r>
+              <a:rPr lang="de-DE" baseline="0" dirty="0"/>
+              <a:t>JUnit ist eine Freie Software und kann von jedem verwendet werden</a:t>
+            </a:r>
+            <a:endParaRPr lang="de-DE" dirty="0"/>
+          </a:p>
+          <a:p>
+            <a:pPr marL="0" marR="0" indent="0" algn="l" defTabSz="914400" rtl="0" eaLnBrk="1" fontAlgn="auto" latinLnBrk="0" hangingPunct="1">
+              <a:lnSpc>
+                <a:spcPct val="100000"/>
+              </a:lnSpc>
+              <a:spcBef>
+                <a:spcPts val="0"/>
+              </a:spcBef>
+              <a:spcAft>
+                <a:spcPts val="0"/>
+              </a:spcAft>
+              <a:buClrTx/>
+              <a:buSzTx/>
+              <a:buFontTx/>
+              <a:buNone/>
+              <a:tabLst/>
+              <a:defRPr/>
+            </a:pPr>
+            <a:r>
+              <a:rPr lang="de-DE" baseline="0" dirty="0"/>
+              <a:t>Es lässt sich auch alles einsehen</a:t>
+            </a:r>
+            <a:endParaRPr lang="de-DE" dirty="0"/>
+          </a:p>
+          <a:p>
             <a:r>
               <a:rPr lang="de-DE" dirty="0"/>
               <a:t>JUnit</a:t>
@@ -1927,23 +1993,6 @@
               <a:rPr lang="de-DE" baseline="0" dirty="0"/>
               <a:t> hier kann man sich informieren und alle Neuerungen verfolgen</a:t>
             </a:r>
-          </a:p>
-          <a:p>
-            <a:r>
-              <a:rPr lang="de-DE" baseline="0" dirty="0"/>
-              <a:t>Es lässt sich auch alles einsehen</a:t>
-            </a:r>
-          </a:p>
-          <a:p>
-            <a:r>
-              <a:rPr lang="de-DE" baseline="0" dirty="0"/>
-              <a:t>JUnit ist eine Freie Software und kann von jedem </a:t>
-            </a:r>
-            <a:r>
-              <a:rPr lang="de-DE" baseline="0"/>
-              <a:t>verwendet werden</a:t>
-            </a:r>
-            <a:endParaRPr lang="de-DE" dirty="0"/>
           </a:p>
         </p:txBody>
       </p:sp>
@@ -2367,7 +2416,7 @@
           <a:noFill/>
           <a:extLst>
             <a:ext uri="{909E8E84-426E-40dd-AFC4-6F175D3DCCD1}">
-              <a14:hiddenFill xmlns:a14="http://schemas.microsoft.com/office/drawing/2010/main" xmlns="">
+              <a14:hiddenFill xmlns="" xmlns:a14="http://schemas.microsoft.com/office/drawing/2010/main">
                 <a:solidFill>
                   <a:srgbClr val="FFFFFF"/>
                 </a:solidFill>
@@ -2427,7 +2476,7 @@
             </a:ln>
             <a:extLst>
               <a:ext uri="{91240B29-F687-4f45-9708-019B960494DF}">
-                <a14:hiddenLine xmlns:a14="http://schemas.microsoft.com/office/drawing/2010/main" xmlns="" w="9525">
+                <a14:hiddenLine xmlns="" xmlns:a14="http://schemas.microsoft.com/office/drawing/2010/main" w="9525">
                   <a:solidFill>
                     <a:srgbClr val="000000"/>
                   </a:solidFill>
@@ -2517,7 +2566,7 @@
             </a:ln>
             <a:extLst>
               <a:ext uri="{91240B29-F687-4f45-9708-019B960494DF}">
-                <a14:hiddenLine xmlns:a14="http://schemas.microsoft.com/office/drawing/2010/main" xmlns="" w="9525">
+                <a14:hiddenLine xmlns="" xmlns:a14="http://schemas.microsoft.com/office/drawing/2010/main" w="9525">
                   <a:solidFill>
                     <a:srgbClr val="000000"/>
                   </a:solidFill>
@@ -2607,7 +2656,7 @@
             </a:ln>
             <a:extLst>
               <a:ext uri="{91240B29-F687-4f45-9708-019B960494DF}">
-                <a14:hiddenLine xmlns:a14="http://schemas.microsoft.com/office/drawing/2010/main" xmlns="" w="9525">
+                <a14:hiddenLine xmlns="" xmlns:a14="http://schemas.microsoft.com/office/drawing/2010/main" w="9525">
                   <a:solidFill>
                     <a:srgbClr val="000000"/>
                   </a:solidFill>
@@ -2641,7 +2690,7 @@
             </a:ln>
             <a:extLst>
               <a:ext uri="{91240B29-F687-4f45-9708-019B960494DF}">
-                <a14:hiddenLine xmlns:a14="http://schemas.microsoft.com/office/drawing/2010/main" xmlns="" w="9525">
+                <a14:hiddenLine xmlns="" xmlns:a14="http://schemas.microsoft.com/office/drawing/2010/main" w="9525">
                   <a:solidFill>
                     <a:srgbClr val="000000"/>
                   </a:solidFill>
@@ -2731,7 +2780,7 @@
             </a:ln>
             <a:extLst>
               <a:ext uri="{91240B29-F687-4f45-9708-019B960494DF}">
-                <a14:hiddenLine xmlns:a14="http://schemas.microsoft.com/office/drawing/2010/main" xmlns="" w="9525">
+                <a14:hiddenLine xmlns="" xmlns:a14="http://schemas.microsoft.com/office/drawing/2010/main" w="9525">
                   <a:solidFill>
                     <a:srgbClr val="000000"/>
                   </a:solidFill>
@@ -2793,7 +2842,7 @@
             </a:ln>
             <a:extLst>
               <a:ext uri="{91240B29-F687-4f45-9708-019B960494DF}">
-                <a14:hiddenLine xmlns:a14="http://schemas.microsoft.com/office/drawing/2010/main" xmlns="" w="9525">
+                <a14:hiddenLine xmlns="" xmlns:a14="http://schemas.microsoft.com/office/drawing/2010/main" w="9525">
                   <a:solidFill>
                     <a:srgbClr val="000000"/>
                   </a:solidFill>
@@ -2855,7 +2904,7 @@
             </a:ln>
             <a:extLst>
               <a:ext uri="{91240B29-F687-4f45-9708-019B960494DF}">
-                <a14:hiddenLine xmlns:a14="http://schemas.microsoft.com/office/drawing/2010/main" xmlns="" w="9525">
+                <a14:hiddenLine xmlns="" xmlns:a14="http://schemas.microsoft.com/office/drawing/2010/main" w="9525">
                   <a:solidFill>
                     <a:srgbClr val="000000"/>
                   </a:solidFill>
@@ -2945,7 +2994,7 @@
             </a:ln>
             <a:extLst>
               <a:ext uri="{91240B29-F687-4f45-9708-019B960494DF}">
-                <a14:hiddenLine xmlns:a14="http://schemas.microsoft.com/office/drawing/2010/main" xmlns="" w="9525">
+                <a14:hiddenLine xmlns="" xmlns:a14="http://schemas.microsoft.com/office/drawing/2010/main" w="9525">
                   <a:solidFill>
                     <a:srgbClr val="000000"/>
                   </a:solidFill>
@@ -3007,7 +3056,7 @@
             </a:ln>
             <a:extLst>
               <a:ext uri="{91240B29-F687-4f45-9708-019B960494DF}">
-                <a14:hiddenLine xmlns:a14="http://schemas.microsoft.com/office/drawing/2010/main" xmlns="" w="9525">
+                <a14:hiddenLine xmlns="" xmlns:a14="http://schemas.microsoft.com/office/drawing/2010/main" w="9525">
                   <a:solidFill>
                     <a:srgbClr val="000000"/>
                   </a:solidFill>
@@ -3069,7 +3118,7 @@
             </a:ln>
             <a:extLst>
               <a:ext uri="{91240B29-F687-4f45-9708-019B960494DF}">
-                <a14:hiddenLine xmlns:a14="http://schemas.microsoft.com/office/drawing/2010/main" xmlns="" w="9525">
+                <a14:hiddenLine xmlns="" xmlns:a14="http://schemas.microsoft.com/office/drawing/2010/main" w="9525">
                   <a:solidFill>
                     <a:srgbClr val="000000"/>
                   </a:solidFill>
@@ -3159,7 +3208,7 @@
             </a:ln>
             <a:extLst>
               <a:ext uri="{91240B29-F687-4f45-9708-019B960494DF}">
-                <a14:hiddenLine xmlns:a14="http://schemas.microsoft.com/office/drawing/2010/main" xmlns="" w="9525">
+                <a14:hiddenLine xmlns="" xmlns:a14="http://schemas.microsoft.com/office/drawing/2010/main" w="9525">
                   <a:solidFill>
                     <a:srgbClr val="000000"/>
                   </a:solidFill>
@@ -3249,7 +3298,7 @@
             </a:ln>
             <a:extLst>
               <a:ext uri="{91240B29-F687-4f45-9708-019B960494DF}">
-                <a14:hiddenLine xmlns:a14="http://schemas.microsoft.com/office/drawing/2010/main" xmlns="" w="9525">
+                <a14:hiddenLine xmlns="" xmlns:a14="http://schemas.microsoft.com/office/drawing/2010/main" w="9525">
                   <a:solidFill>
                     <a:srgbClr val="000000"/>
                   </a:solidFill>
@@ -3311,7 +3360,7 @@
             </a:ln>
             <a:extLst>
               <a:ext uri="{91240B29-F687-4f45-9708-019B960494DF}">
-                <a14:hiddenLine xmlns:a14="http://schemas.microsoft.com/office/drawing/2010/main" xmlns="" w="9525">
+                <a14:hiddenLine xmlns="" xmlns:a14="http://schemas.microsoft.com/office/drawing/2010/main" w="9525">
                   <a:solidFill>
                     <a:srgbClr val="000000"/>
                   </a:solidFill>
@@ -3421,7 +3470,7 @@
             </a:ln>
             <a:extLst>
               <a:ext uri="{91240B29-F687-4f45-9708-019B960494DF}">
-                <a14:hiddenLine xmlns:a14="http://schemas.microsoft.com/office/drawing/2010/main" xmlns="" w="9525">
+                <a14:hiddenLine xmlns="" xmlns:a14="http://schemas.microsoft.com/office/drawing/2010/main" w="9525">
                   <a:solidFill>
                     <a:srgbClr val="000000"/>
                   </a:solidFill>
@@ -3483,7 +3532,7 @@
             </a:ln>
             <a:extLst>
               <a:ext uri="{91240B29-F687-4f45-9708-019B960494DF}">
-                <a14:hiddenLine xmlns:a14="http://schemas.microsoft.com/office/drawing/2010/main" xmlns="" w="9525">
+                <a14:hiddenLine xmlns="" xmlns:a14="http://schemas.microsoft.com/office/drawing/2010/main" w="9525">
                   <a:solidFill>
                     <a:srgbClr val="000000"/>
                   </a:solidFill>
@@ -3573,7 +3622,7 @@
             </a:ln>
             <a:extLst>
               <a:ext uri="{91240B29-F687-4f45-9708-019B960494DF}">
-                <a14:hiddenLine xmlns:a14="http://schemas.microsoft.com/office/drawing/2010/main" xmlns="" w="9525">
+                <a14:hiddenLine xmlns="" xmlns:a14="http://schemas.microsoft.com/office/drawing/2010/main" w="9525">
                   <a:solidFill>
                     <a:srgbClr val="000000"/>
                   </a:solidFill>
@@ -3663,7 +3712,7 @@
             </a:ln>
             <a:extLst>
               <a:ext uri="{91240B29-F687-4f45-9708-019B960494DF}">
-                <a14:hiddenLine xmlns:a14="http://schemas.microsoft.com/office/drawing/2010/main" xmlns="" w="9525">
+                <a14:hiddenLine xmlns="" xmlns:a14="http://schemas.microsoft.com/office/drawing/2010/main" w="9525">
                   <a:solidFill>
                     <a:srgbClr val="000000"/>
                   </a:solidFill>
@@ -3725,7 +3774,7 @@
             </a:ln>
             <a:extLst>
               <a:ext uri="{91240B29-F687-4f45-9708-019B960494DF}">
-                <a14:hiddenLine xmlns:a14="http://schemas.microsoft.com/office/drawing/2010/main" xmlns="" w="9525">
+                <a14:hiddenLine xmlns="" xmlns:a14="http://schemas.microsoft.com/office/drawing/2010/main" w="9525">
                   <a:solidFill>
                     <a:srgbClr val="000000"/>
                   </a:solidFill>
@@ -3815,7 +3864,7 @@
             </a:ln>
             <a:extLst>
               <a:ext uri="{91240B29-F687-4f45-9708-019B960494DF}">
-                <a14:hiddenLine xmlns:a14="http://schemas.microsoft.com/office/drawing/2010/main" xmlns="" w="9525">
+                <a14:hiddenLine xmlns="" xmlns:a14="http://schemas.microsoft.com/office/drawing/2010/main" w="9525">
                   <a:solidFill>
                     <a:srgbClr val="000000"/>
                   </a:solidFill>
@@ -3905,7 +3954,7 @@
             </a:ln>
             <a:extLst>
               <a:ext uri="{91240B29-F687-4f45-9708-019B960494DF}">
-                <a14:hiddenLine xmlns:a14="http://schemas.microsoft.com/office/drawing/2010/main" xmlns="" w="9525">
+                <a14:hiddenLine xmlns="" xmlns:a14="http://schemas.microsoft.com/office/drawing/2010/main" w="9525">
                   <a:solidFill>
                     <a:srgbClr val="000000"/>
                   </a:solidFill>
@@ -3961,7 +4010,7 @@
             </a:ln>
             <a:extLst>
               <a:ext uri="{91240B29-F687-4f45-9708-019B960494DF}">
-                <a14:hiddenLine xmlns:a14="http://schemas.microsoft.com/office/drawing/2010/main" xmlns="" w="9525">
+                <a14:hiddenLine xmlns="" xmlns:a14="http://schemas.microsoft.com/office/drawing/2010/main" w="9525">
                   <a:solidFill>
                     <a:srgbClr val="000000"/>
                   </a:solidFill>
@@ -4051,7 +4100,7 @@
             </a:ln>
             <a:extLst>
               <a:ext uri="{91240B29-F687-4f45-9708-019B960494DF}">
-                <a14:hiddenLine xmlns:a14="http://schemas.microsoft.com/office/drawing/2010/main" xmlns="" w="9525">
+                <a14:hiddenLine xmlns="" xmlns:a14="http://schemas.microsoft.com/office/drawing/2010/main" w="9525">
                   <a:solidFill>
                     <a:srgbClr val="000000"/>
                   </a:solidFill>
@@ -4107,7 +4156,7 @@
             </a:ln>
             <a:extLst>
               <a:ext uri="{91240B29-F687-4f45-9708-019B960494DF}">
-                <a14:hiddenLine xmlns:a14="http://schemas.microsoft.com/office/drawing/2010/main" xmlns="" w="9525">
+                <a14:hiddenLine xmlns="" xmlns:a14="http://schemas.microsoft.com/office/drawing/2010/main" w="9525">
                   <a:solidFill>
                     <a:srgbClr val="000000"/>
                   </a:solidFill>
@@ -4197,7 +4246,7 @@
             </a:ln>
             <a:extLst>
               <a:ext uri="{91240B29-F687-4f45-9708-019B960494DF}">
-                <a14:hiddenLine xmlns:a14="http://schemas.microsoft.com/office/drawing/2010/main" xmlns="" w="9525">
+                <a14:hiddenLine xmlns="" xmlns:a14="http://schemas.microsoft.com/office/drawing/2010/main" w="9525">
                   <a:solidFill>
                     <a:srgbClr val="000000"/>
                   </a:solidFill>
@@ -4265,7 +4314,7 @@
             </a:ln>
             <a:extLst>
               <a:ext uri="{91240B29-F687-4f45-9708-019B960494DF}">
-                <a14:hiddenLine xmlns:a14="http://schemas.microsoft.com/office/drawing/2010/main" xmlns="" w="9525">
+                <a14:hiddenLine xmlns="" xmlns:a14="http://schemas.microsoft.com/office/drawing/2010/main" w="9525">
                   <a:solidFill>
                     <a:srgbClr val="000000"/>
                   </a:solidFill>
@@ -4355,7 +4404,7 @@
             </a:ln>
             <a:extLst>
               <a:ext uri="{91240B29-F687-4f45-9708-019B960494DF}">
-                <a14:hiddenLine xmlns:a14="http://schemas.microsoft.com/office/drawing/2010/main" xmlns="" w="9525">
+                <a14:hiddenLine xmlns="" xmlns:a14="http://schemas.microsoft.com/office/drawing/2010/main" w="9525">
                   <a:solidFill>
                     <a:srgbClr val="000000"/>
                   </a:solidFill>
@@ -4423,7 +4472,7 @@
             </a:ln>
             <a:extLst>
               <a:ext uri="{91240B29-F687-4f45-9708-019B960494DF}">
-                <a14:hiddenLine xmlns:a14="http://schemas.microsoft.com/office/drawing/2010/main" xmlns="" w="9525">
+                <a14:hiddenLine xmlns="" xmlns:a14="http://schemas.microsoft.com/office/drawing/2010/main" w="9525">
                   <a:solidFill>
                     <a:srgbClr val="000000"/>
                   </a:solidFill>
@@ -4513,7 +4562,7 @@
             </a:ln>
             <a:extLst>
               <a:ext uri="{91240B29-F687-4f45-9708-019B960494DF}">
-                <a14:hiddenLine xmlns:a14="http://schemas.microsoft.com/office/drawing/2010/main" xmlns="" w="9525">
+                <a14:hiddenLine xmlns="" xmlns:a14="http://schemas.microsoft.com/office/drawing/2010/main" w="9525">
                   <a:solidFill>
                     <a:srgbClr val="000000"/>
                   </a:solidFill>
@@ -4547,7 +4596,7 @@
             </a:ln>
             <a:extLst>
               <a:ext uri="{91240B29-F687-4f45-9708-019B960494DF}">
-                <a14:hiddenLine xmlns:a14="http://schemas.microsoft.com/office/drawing/2010/main" xmlns="" w="9525">
+                <a14:hiddenLine xmlns="" xmlns:a14="http://schemas.microsoft.com/office/drawing/2010/main" w="9525">
                   <a:solidFill>
                     <a:srgbClr val="000000"/>
                   </a:solidFill>
@@ -4637,7 +4686,7 @@
             </a:ln>
             <a:extLst>
               <a:ext uri="{91240B29-F687-4f45-9708-019B960494DF}">
-                <a14:hiddenLine xmlns:a14="http://schemas.microsoft.com/office/drawing/2010/main" xmlns="" w="9525">
+                <a14:hiddenLine xmlns="" xmlns:a14="http://schemas.microsoft.com/office/drawing/2010/main" w="9525">
                   <a:solidFill>
                     <a:srgbClr val="000000"/>
                   </a:solidFill>
@@ -4699,7 +4748,7 @@
             </a:ln>
             <a:extLst>
               <a:ext uri="{91240B29-F687-4f45-9708-019B960494DF}">
-                <a14:hiddenLine xmlns:a14="http://schemas.microsoft.com/office/drawing/2010/main" xmlns="" w="9525">
+                <a14:hiddenLine xmlns="" xmlns:a14="http://schemas.microsoft.com/office/drawing/2010/main" w="9525">
                   <a:solidFill>
                     <a:srgbClr val="000000"/>
                   </a:solidFill>
@@ -4761,7 +4810,7 @@
             </a:ln>
             <a:extLst>
               <a:ext uri="{91240B29-F687-4f45-9708-019B960494DF}">
-                <a14:hiddenLine xmlns:a14="http://schemas.microsoft.com/office/drawing/2010/main" xmlns="" w="9525">
+                <a14:hiddenLine xmlns="" xmlns:a14="http://schemas.microsoft.com/office/drawing/2010/main" w="9525">
                   <a:solidFill>
                     <a:srgbClr val="000000"/>
                   </a:solidFill>
@@ -4851,7 +4900,7 @@
             </a:ln>
             <a:extLst>
               <a:ext uri="{91240B29-F687-4f45-9708-019B960494DF}">
-                <a14:hiddenLine xmlns:a14="http://schemas.microsoft.com/office/drawing/2010/main" xmlns="" w="9525">
+                <a14:hiddenLine xmlns="" xmlns:a14="http://schemas.microsoft.com/office/drawing/2010/main" w="9525">
                   <a:solidFill>
                     <a:srgbClr val="000000"/>
                   </a:solidFill>
@@ -4919,7 +4968,7 @@
             </a:ln>
             <a:extLst>
               <a:ext uri="{91240B29-F687-4f45-9708-019B960494DF}">
-                <a14:hiddenLine xmlns:a14="http://schemas.microsoft.com/office/drawing/2010/main" xmlns="" w="9525">
+                <a14:hiddenLine xmlns="" xmlns:a14="http://schemas.microsoft.com/office/drawing/2010/main" w="9525">
                   <a:solidFill>
                     <a:srgbClr val="000000"/>
                   </a:solidFill>
@@ -4981,7 +5030,7 @@
             </a:ln>
             <a:extLst>
               <a:ext uri="{91240B29-F687-4f45-9708-019B960494DF}">
-                <a14:hiddenLine xmlns:a14="http://schemas.microsoft.com/office/drawing/2010/main" xmlns="" w="9525">
+                <a14:hiddenLine xmlns="" xmlns:a14="http://schemas.microsoft.com/office/drawing/2010/main" w="9525">
                   <a:solidFill>
                     <a:srgbClr val="000000"/>
                   </a:solidFill>
@@ -5071,7 +5120,7 @@
             </a:ln>
             <a:extLst>
               <a:ext uri="{91240B29-F687-4f45-9708-019B960494DF}">
-                <a14:hiddenLine xmlns:a14="http://schemas.microsoft.com/office/drawing/2010/main" xmlns="" w="9525">
+                <a14:hiddenLine xmlns="" xmlns:a14="http://schemas.microsoft.com/office/drawing/2010/main" w="9525">
                   <a:solidFill>
                     <a:srgbClr val="000000"/>
                   </a:solidFill>
@@ -5133,7 +5182,7 @@
             </a:ln>
             <a:extLst>
               <a:ext uri="{91240B29-F687-4f45-9708-019B960494DF}">
-                <a14:hiddenLine xmlns:a14="http://schemas.microsoft.com/office/drawing/2010/main" xmlns="" w="9525">
+                <a14:hiddenLine xmlns="" xmlns:a14="http://schemas.microsoft.com/office/drawing/2010/main" w="9525">
                   <a:solidFill>
                     <a:srgbClr val="000000"/>
                   </a:solidFill>
@@ -5223,7 +5272,7 @@
             </a:ln>
             <a:extLst>
               <a:ext uri="{91240B29-F687-4f45-9708-019B960494DF}">
-                <a14:hiddenLine xmlns:a14="http://schemas.microsoft.com/office/drawing/2010/main" xmlns="" w="9525">
+                <a14:hiddenLine xmlns="" xmlns:a14="http://schemas.microsoft.com/office/drawing/2010/main" w="9525">
                   <a:solidFill>
                     <a:srgbClr val="000000"/>
                   </a:solidFill>
@@ -5285,7 +5334,7 @@
             </a:ln>
             <a:extLst>
               <a:ext uri="{91240B29-F687-4f45-9708-019B960494DF}">
-                <a14:hiddenLine xmlns:a14="http://schemas.microsoft.com/office/drawing/2010/main" xmlns="" w="9525">
+                <a14:hiddenLine xmlns="" xmlns:a14="http://schemas.microsoft.com/office/drawing/2010/main" w="9525">
                   <a:solidFill>
                     <a:srgbClr val="000000"/>
                   </a:solidFill>
@@ -5375,7 +5424,7 @@
             </a:ln>
             <a:extLst>
               <a:ext uri="{91240B29-F687-4f45-9708-019B960494DF}">
-                <a14:hiddenLine xmlns:a14="http://schemas.microsoft.com/office/drawing/2010/main" xmlns="" w="9525">
+                <a14:hiddenLine xmlns="" xmlns:a14="http://schemas.microsoft.com/office/drawing/2010/main" w="9525">
                   <a:solidFill>
                     <a:srgbClr val="000000"/>
                   </a:solidFill>
@@ -5409,7 +5458,7 @@
             </a:ln>
             <a:extLst>
               <a:ext uri="{91240B29-F687-4f45-9708-019B960494DF}">
-                <a14:hiddenLine xmlns:a14="http://schemas.microsoft.com/office/drawing/2010/main" xmlns="" w="9525">
+                <a14:hiddenLine xmlns="" xmlns:a14="http://schemas.microsoft.com/office/drawing/2010/main" w="9525">
                   <a:solidFill>
                     <a:srgbClr val="000000"/>
                   </a:solidFill>
@@ -5474,7 +5523,7 @@
             </a:ln>
             <a:extLst>
               <a:ext uri="{91240B29-F687-4f45-9708-019B960494DF}">
-                <a14:hiddenLine xmlns:a14="http://schemas.microsoft.com/office/drawing/2010/main" xmlns="" w="9525">
+                <a14:hiddenLine xmlns="" xmlns:a14="http://schemas.microsoft.com/office/drawing/2010/main" w="9525">
                   <a:solidFill>
                     <a:srgbClr val="000000"/>
                   </a:solidFill>
@@ -5564,7 +5613,7 @@
             </a:ln>
             <a:extLst>
               <a:ext uri="{91240B29-F687-4f45-9708-019B960494DF}">
-                <a14:hiddenLine xmlns:a14="http://schemas.microsoft.com/office/drawing/2010/main" xmlns="" w="9525">
+                <a14:hiddenLine xmlns="" xmlns:a14="http://schemas.microsoft.com/office/drawing/2010/main" w="9525">
                   <a:solidFill>
                     <a:srgbClr val="000000"/>
                   </a:solidFill>
@@ -5626,7 +5675,7 @@
             </a:ln>
             <a:extLst>
               <a:ext uri="{91240B29-F687-4f45-9708-019B960494DF}">
-                <a14:hiddenLine xmlns:a14="http://schemas.microsoft.com/office/drawing/2010/main" xmlns="" w="9525">
+                <a14:hiddenLine xmlns="" xmlns:a14="http://schemas.microsoft.com/office/drawing/2010/main" w="9525">
                   <a:solidFill>
                     <a:srgbClr val="000000"/>
                   </a:solidFill>
@@ -5716,7 +5765,7 @@
             </a:ln>
             <a:extLst>
               <a:ext uri="{91240B29-F687-4f45-9708-019B960494DF}">
-                <a14:hiddenLine xmlns:a14="http://schemas.microsoft.com/office/drawing/2010/main" xmlns="" w="9525">
+                <a14:hiddenLine xmlns="" xmlns:a14="http://schemas.microsoft.com/office/drawing/2010/main" w="9525">
                   <a:solidFill>
                     <a:srgbClr val="000000"/>
                   </a:solidFill>
@@ -5806,7 +5855,7 @@
             </a:ln>
             <a:extLst>
               <a:ext uri="{91240B29-F687-4f45-9708-019B960494DF}">
-                <a14:hiddenLine xmlns:a14="http://schemas.microsoft.com/office/drawing/2010/main" xmlns="" w="9525">
+                <a14:hiddenLine xmlns="" xmlns:a14="http://schemas.microsoft.com/office/drawing/2010/main" w="9525">
                   <a:solidFill>
                     <a:srgbClr val="000000"/>
                   </a:solidFill>
@@ -5871,7 +5920,7 @@
             </a:ln>
             <a:extLst>
               <a:ext uri="{91240B29-F687-4f45-9708-019B960494DF}">
-                <a14:hiddenLine xmlns:a14="http://schemas.microsoft.com/office/drawing/2010/main" xmlns="" w="9525">
+                <a14:hiddenLine xmlns="" xmlns:a14="http://schemas.microsoft.com/office/drawing/2010/main" w="9525">
                   <a:solidFill>
                     <a:srgbClr val="000000"/>
                   </a:solidFill>
@@ -5933,7 +5982,7 @@
             </a:ln>
             <a:extLst>
               <a:ext uri="{91240B29-F687-4f45-9708-019B960494DF}">
-                <a14:hiddenLine xmlns:a14="http://schemas.microsoft.com/office/drawing/2010/main" xmlns="" w="9525">
+                <a14:hiddenLine xmlns="" xmlns:a14="http://schemas.microsoft.com/office/drawing/2010/main" w="9525">
                   <a:solidFill>
                     <a:srgbClr val="000000"/>
                   </a:solidFill>
@@ -6023,7 +6072,7 @@
             </a:ln>
             <a:extLst>
               <a:ext uri="{91240B29-F687-4f45-9708-019B960494DF}">
-                <a14:hiddenLine xmlns:a14="http://schemas.microsoft.com/office/drawing/2010/main" xmlns="" w="9525">
+                <a14:hiddenLine xmlns="" xmlns:a14="http://schemas.microsoft.com/office/drawing/2010/main" w="9525">
                   <a:solidFill>
                     <a:srgbClr val="000000"/>
                   </a:solidFill>
@@ -6113,7 +6162,7 @@
             </a:ln>
             <a:extLst>
               <a:ext uri="{91240B29-F687-4f45-9708-019B960494DF}">
-                <a14:hiddenLine xmlns:a14="http://schemas.microsoft.com/office/drawing/2010/main" xmlns="" w="9525">
+                <a14:hiddenLine xmlns="" xmlns:a14="http://schemas.microsoft.com/office/drawing/2010/main" w="9525">
                   <a:solidFill>
                     <a:srgbClr val="000000"/>
                   </a:solidFill>
@@ -6175,7 +6224,7 @@
             </a:ln>
             <a:extLst>
               <a:ext uri="{91240B29-F687-4f45-9708-019B960494DF}">
-                <a14:hiddenLine xmlns:a14="http://schemas.microsoft.com/office/drawing/2010/main" xmlns="" w="9525">
+                <a14:hiddenLine xmlns="" xmlns:a14="http://schemas.microsoft.com/office/drawing/2010/main" w="9525">
                   <a:solidFill>
                     <a:srgbClr val="000000"/>
                   </a:solidFill>
@@ -6295,7 +6344,7 @@
             </a:ln>
             <a:extLst>
               <a:ext uri="{91240B29-F687-4f45-9708-019B960494DF}">
-                <a14:hiddenLine xmlns:a14="http://schemas.microsoft.com/office/drawing/2010/main" xmlns="" w="9525">
+                <a14:hiddenLine xmlns="" xmlns:a14="http://schemas.microsoft.com/office/drawing/2010/main" w="9525">
                   <a:solidFill>
                     <a:srgbClr val="000000"/>
                   </a:solidFill>
@@ -6363,7 +6412,7 @@
             </a:ln>
             <a:extLst>
               <a:ext uri="{91240B29-F687-4f45-9708-019B960494DF}">
-                <a14:hiddenLine xmlns:a14="http://schemas.microsoft.com/office/drawing/2010/main" xmlns="" w="9525">
+                <a14:hiddenLine xmlns="" xmlns:a14="http://schemas.microsoft.com/office/drawing/2010/main" w="9525">
                   <a:solidFill>
                     <a:srgbClr val="000000"/>
                   </a:solidFill>
@@ -6453,7 +6502,7 @@
             </a:ln>
             <a:extLst>
               <a:ext uri="{91240B29-F687-4f45-9708-019B960494DF}">
-                <a14:hiddenLine xmlns:a14="http://schemas.microsoft.com/office/drawing/2010/main" xmlns="" w="9525">
+                <a14:hiddenLine xmlns="" xmlns:a14="http://schemas.microsoft.com/office/drawing/2010/main" w="9525">
                   <a:solidFill>
                     <a:srgbClr val="000000"/>
                   </a:solidFill>
@@ -11260,7 +11309,7 @@
           <a:noFill/>
           <a:extLst>
             <a:ext uri="{909E8E84-426E-40dd-AFC4-6F175D3DCCD1}">
-              <a14:hiddenFill xmlns:a14="http://schemas.microsoft.com/office/drawing/2010/main" xmlns="">
+              <a14:hiddenFill xmlns="" xmlns:a14="http://schemas.microsoft.com/office/drawing/2010/main">
                 <a:solidFill>
                   <a:srgbClr val="FFFFFF"/>
                 </a:solidFill>
@@ -11334,7 +11383,7 @@
               </a:ln>
               <a:extLst>
                 <a:ext uri="{91240B29-F687-4f45-9708-019B960494DF}">
-                  <a14:hiddenLine xmlns:a14="http://schemas.microsoft.com/office/drawing/2010/main" xmlns="" w="9525">
+                  <a14:hiddenLine xmlns="" xmlns:a14="http://schemas.microsoft.com/office/drawing/2010/main" w="9525">
                     <a:solidFill>
                       <a:srgbClr val="000000"/>
                     </a:solidFill>
@@ -11424,7 +11473,7 @@
               </a:ln>
               <a:extLst>
                 <a:ext uri="{91240B29-F687-4f45-9708-019B960494DF}">
-                  <a14:hiddenLine xmlns:a14="http://schemas.microsoft.com/office/drawing/2010/main" xmlns="" w="9525">
+                  <a14:hiddenLine xmlns="" xmlns:a14="http://schemas.microsoft.com/office/drawing/2010/main" w="9525">
                     <a:solidFill>
                       <a:srgbClr val="000000"/>
                     </a:solidFill>
@@ -11514,7 +11563,7 @@
               </a:ln>
               <a:extLst>
                 <a:ext uri="{91240B29-F687-4f45-9708-019B960494DF}">
-                  <a14:hiddenLine xmlns:a14="http://schemas.microsoft.com/office/drawing/2010/main" xmlns="" w="9525">
+                  <a14:hiddenLine xmlns="" xmlns:a14="http://schemas.microsoft.com/office/drawing/2010/main" w="9525">
                     <a:solidFill>
                       <a:srgbClr val="000000"/>
                     </a:solidFill>
@@ -11576,7 +11625,7 @@
               </a:ln>
               <a:extLst>
                 <a:ext uri="{91240B29-F687-4f45-9708-019B960494DF}">
-                  <a14:hiddenLine xmlns:a14="http://schemas.microsoft.com/office/drawing/2010/main" xmlns="" w="9525">
+                  <a14:hiddenLine xmlns="" xmlns:a14="http://schemas.microsoft.com/office/drawing/2010/main" w="9525">
                     <a:solidFill>
                       <a:srgbClr val="000000"/>
                     </a:solidFill>
@@ -11666,7 +11715,7 @@
               </a:ln>
               <a:extLst>
                 <a:ext uri="{91240B29-F687-4f45-9708-019B960494DF}">
-                  <a14:hiddenLine xmlns:a14="http://schemas.microsoft.com/office/drawing/2010/main" xmlns="" w="9525">
+                  <a14:hiddenLine xmlns="" xmlns:a14="http://schemas.microsoft.com/office/drawing/2010/main" w="9525">
                     <a:solidFill>
                       <a:srgbClr val="000000"/>
                     </a:solidFill>
@@ -11728,7 +11777,7 @@
               </a:ln>
               <a:extLst>
                 <a:ext uri="{91240B29-F687-4f45-9708-019B960494DF}">
-                  <a14:hiddenLine xmlns:a14="http://schemas.microsoft.com/office/drawing/2010/main" xmlns="" w="9525">
+                  <a14:hiddenLine xmlns="" xmlns:a14="http://schemas.microsoft.com/office/drawing/2010/main" w="9525">
                     <a:solidFill>
                       <a:srgbClr val="000000"/>
                     </a:solidFill>
@@ -11790,7 +11839,7 @@
               </a:ln>
               <a:extLst>
                 <a:ext uri="{91240B29-F687-4f45-9708-019B960494DF}">
-                  <a14:hiddenLine xmlns:a14="http://schemas.microsoft.com/office/drawing/2010/main" xmlns="" w="9525">
+                  <a14:hiddenLine xmlns="" xmlns:a14="http://schemas.microsoft.com/office/drawing/2010/main" w="9525">
                     <a:solidFill>
                       <a:srgbClr val="000000"/>
                     </a:solidFill>
@@ -11880,7 +11929,7 @@
               </a:ln>
               <a:extLst>
                 <a:ext uri="{91240B29-F687-4f45-9708-019B960494DF}">
-                  <a14:hiddenLine xmlns:a14="http://schemas.microsoft.com/office/drawing/2010/main" xmlns="" w="9525">
+                  <a14:hiddenLine xmlns="" xmlns:a14="http://schemas.microsoft.com/office/drawing/2010/main" w="9525">
                     <a:solidFill>
                       <a:srgbClr val="000000"/>
                     </a:solidFill>
@@ -11970,7 +12019,7 @@
               </a:ln>
               <a:extLst>
                 <a:ext uri="{91240B29-F687-4f45-9708-019B960494DF}">
-                  <a14:hiddenLine xmlns:a14="http://schemas.microsoft.com/office/drawing/2010/main" xmlns="" w="9525">
+                  <a14:hiddenLine xmlns="" xmlns:a14="http://schemas.microsoft.com/office/drawing/2010/main" w="9525">
                     <a:solidFill>
                       <a:srgbClr val="000000"/>
                     </a:solidFill>
@@ -12032,7 +12081,7 @@
               </a:ln>
               <a:extLst>
                 <a:ext uri="{91240B29-F687-4f45-9708-019B960494DF}">
-                  <a14:hiddenLine xmlns:a14="http://schemas.microsoft.com/office/drawing/2010/main" xmlns="" w="9525">
+                  <a14:hiddenLine xmlns="" xmlns:a14="http://schemas.microsoft.com/office/drawing/2010/main" w="9525">
                     <a:solidFill>
                       <a:srgbClr val="000000"/>
                     </a:solidFill>
@@ -12142,7 +12191,7 @@
               </a:ln>
               <a:extLst>
                 <a:ext uri="{91240B29-F687-4f45-9708-019B960494DF}">
-                  <a14:hiddenLine xmlns:a14="http://schemas.microsoft.com/office/drawing/2010/main" xmlns="" w="9525">
+                  <a14:hiddenLine xmlns="" xmlns:a14="http://schemas.microsoft.com/office/drawing/2010/main" w="9525">
                     <a:solidFill>
                       <a:srgbClr val="000000"/>
                     </a:solidFill>
@@ -12226,7 +12275,7 @@
               </a:ln>
               <a:extLst>
                 <a:ext uri="{91240B29-F687-4f45-9708-019B960494DF}">
-                  <a14:hiddenLine xmlns:a14="http://schemas.microsoft.com/office/drawing/2010/main" xmlns="" w="9525">
+                  <a14:hiddenLine xmlns="" xmlns:a14="http://schemas.microsoft.com/office/drawing/2010/main" w="9525">
                     <a:solidFill>
                       <a:srgbClr val="000000"/>
                     </a:solidFill>
@@ -12288,7 +12337,7 @@
               </a:ln>
               <a:extLst>
                 <a:ext uri="{91240B29-F687-4f45-9708-019B960494DF}">
-                  <a14:hiddenLine xmlns:a14="http://schemas.microsoft.com/office/drawing/2010/main" xmlns="" w="9525">
+                  <a14:hiddenLine xmlns="" xmlns:a14="http://schemas.microsoft.com/office/drawing/2010/main" w="9525">
                     <a:solidFill>
                       <a:srgbClr val="000000"/>
                     </a:solidFill>
@@ -12350,7 +12399,7 @@
               </a:ln>
               <a:extLst>
                 <a:ext uri="{91240B29-F687-4f45-9708-019B960494DF}">
-                  <a14:hiddenLine xmlns:a14="http://schemas.microsoft.com/office/drawing/2010/main" xmlns="" w="9525">
+                  <a14:hiddenLine xmlns="" xmlns:a14="http://schemas.microsoft.com/office/drawing/2010/main" w="9525">
                     <a:solidFill>
                       <a:srgbClr val="000000"/>
                     </a:solidFill>
@@ -12440,7 +12489,7 @@
               </a:ln>
               <a:extLst>
                 <a:ext uri="{91240B29-F687-4f45-9708-019B960494DF}">
-                  <a14:hiddenLine xmlns:a14="http://schemas.microsoft.com/office/drawing/2010/main" xmlns="" w="9525">
+                  <a14:hiddenLine xmlns="" xmlns:a14="http://schemas.microsoft.com/office/drawing/2010/main" w="9525">
                     <a:solidFill>
                       <a:srgbClr val="000000"/>
                     </a:solidFill>
@@ -12474,7 +12523,7 @@
               </a:ln>
               <a:extLst>
                 <a:ext uri="{91240B29-F687-4f45-9708-019B960494DF}">
-                  <a14:hiddenLine xmlns:a14="http://schemas.microsoft.com/office/drawing/2010/main" xmlns="" w="9525">
+                  <a14:hiddenLine xmlns="" xmlns:a14="http://schemas.microsoft.com/office/drawing/2010/main" w="9525">
                     <a:solidFill>
                       <a:srgbClr val="000000"/>
                     </a:solidFill>
@@ -12539,7 +12588,7 @@
               </a:ln>
               <a:extLst>
                 <a:ext uri="{91240B29-F687-4f45-9708-019B960494DF}">
-                  <a14:hiddenLine xmlns:a14="http://schemas.microsoft.com/office/drawing/2010/main" xmlns="" w="9525">
+                  <a14:hiddenLine xmlns="" xmlns:a14="http://schemas.microsoft.com/office/drawing/2010/main" w="9525">
                     <a:solidFill>
                       <a:srgbClr val="000000"/>
                     </a:solidFill>
@@ -12629,7 +12678,7 @@
               </a:ln>
               <a:extLst>
                 <a:ext uri="{91240B29-F687-4f45-9708-019B960494DF}">
-                  <a14:hiddenLine xmlns:a14="http://schemas.microsoft.com/office/drawing/2010/main" xmlns="" w="9525">
+                  <a14:hiddenLine xmlns="" xmlns:a14="http://schemas.microsoft.com/office/drawing/2010/main" w="9525">
                     <a:solidFill>
                       <a:srgbClr val="000000"/>
                     </a:solidFill>
@@ -12691,7 +12740,7 @@
               </a:ln>
               <a:extLst>
                 <a:ext uri="{91240B29-F687-4f45-9708-019B960494DF}">
-                  <a14:hiddenLine xmlns:a14="http://schemas.microsoft.com/office/drawing/2010/main" xmlns="" w="9525">
+                  <a14:hiddenLine xmlns="" xmlns:a14="http://schemas.microsoft.com/office/drawing/2010/main" w="9525">
                     <a:solidFill>
                       <a:srgbClr val="000000"/>
                     </a:solidFill>
@@ -12781,7 +12830,7 @@
               </a:ln>
               <a:extLst>
                 <a:ext uri="{91240B29-F687-4f45-9708-019B960494DF}">
-                  <a14:hiddenLine xmlns:a14="http://schemas.microsoft.com/office/drawing/2010/main" xmlns="" w="9525">
+                  <a14:hiddenLine xmlns="" xmlns:a14="http://schemas.microsoft.com/office/drawing/2010/main" w="9525">
                     <a:solidFill>
                       <a:srgbClr val="000000"/>
                     </a:solidFill>
@@ -12846,7 +12895,7 @@
               </a:ln>
               <a:extLst>
                 <a:ext uri="{91240B29-F687-4f45-9708-019B960494DF}">
-                  <a14:hiddenLine xmlns:a14="http://schemas.microsoft.com/office/drawing/2010/main" xmlns="" w="9525">
+                  <a14:hiddenLine xmlns="" xmlns:a14="http://schemas.microsoft.com/office/drawing/2010/main" w="9525">
                     <a:solidFill>
                       <a:srgbClr val="000000"/>
                     </a:solidFill>
@@ -12908,7 +12957,7 @@
               </a:ln>
               <a:extLst>
                 <a:ext uri="{91240B29-F687-4f45-9708-019B960494DF}">
-                  <a14:hiddenLine xmlns:a14="http://schemas.microsoft.com/office/drawing/2010/main" xmlns="" w="9525">
+                  <a14:hiddenLine xmlns="" xmlns:a14="http://schemas.microsoft.com/office/drawing/2010/main" w="9525">
                     <a:solidFill>
                       <a:srgbClr val="000000"/>
                     </a:solidFill>
@@ -12998,7 +13047,7 @@
               </a:ln>
               <a:extLst>
                 <a:ext uri="{91240B29-F687-4f45-9708-019B960494DF}">
-                  <a14:hiddenLine xmlns:a14="http://schemas.microsoft.com/office/drawing/2010/main" xmlns="" w="9525">
+                  <a14:hiddenLine xmlns="" xmlns:a14="http://schemas.microsoft.com/office/drawing/2010/main" w="9525">
                     <a:solidFill>
                       <a:srgbClr val="000000"/>
                     </a:solidFill>
@@ -13088,7 +13137,7 @@
               </a:ln>
               <a:extLst>
                 <a:ext uri="{91240B29-F687-4f45-9708-019B960494DF}">
-                  <a14:hiddenLine xmlns:a14="http://schemas.microsoft.com/office/drawing/2010/main" xmlns="" w="9525">
+                  <a14:hiddenLine xmlns="" xmlns:a14="http://schemas.microsoft.com/office/drawing/2010/main" w="9525">
                     <a:solidFill>
                       <a:srgbClr val="000000"/>
                     </a:solidFill>
@@ -13153,7 +13202,7 @@
               </a:ln>
               <a:extLst>
                 <a:ext uri="{91240B29-F687-4f45-9708-019B960494DF}">
-                  <a14:hiddenLine xmlns:a14="http://schemas.microsoft.com/office/drawing/2010/main" xmlns="" w="9525">
+                  <a14:hiddenLine xmlns="" xmlns:a14="http://schemas.microsoft.com/office/drawing/2010/main" w="9525">
                     <a:solidFill>
                       <a:srgbClr val="000000"/>
                     </a:solidFill>
@@ -13273,7 +13322,7 @@
               </a:ln>
               <a:extLst>
                 <a:ext uri="{91240B29-F687-4f45-9708-019B960494DF}">
-                  <a14:hiddenLine xmlns:a14="http://schemas.microsoft.com/office/drawing/2010/main" xmlns="" w="9525">
+                  <a14:hiddenLine xmlns="" xmlns:a14="http://schemas.microsoft.com/office/drawing/2010/main" w="9525">
                     <a:solidFill>
                       <a:srgbClr val="000000"/>
                     </a:solidFill>
@@ -13371,7 +13420,7 @@
               </a:ln>
               <a:extLst>
                 <a:ext uri="{91240B29-F687-4f45-9708-019B960494DF}">
-                  <a14:hiddenLine xmlns:a14="http://schemas.microsoft.com/office/drawing/2010/main" xmlns="" w="9525">
+                  <a14:hiddenLine xmlns="" xmlns:a14="http://schemas.microsoft.com/office/drawing/2010/main" w="9525">
                     <a:solidFill>
                       <a:srgbClr val="000000"/>
                     </a:solidFill>
@@ -13486,7 +13535,7 @@
               </a:ln>
               <a:extLst>
                 <a:ext uri="{91240B29-F687-4f45-9708-019B960494DF}">
-                  <a14:hiddenLine xmlns:a14="http://schemas.microsoft.com/office/drawing/2010/main" xmlns="" w="9525">
+                  <a14:hiddenLine xmlns="" xmlns:a14="http://schemas.microsoft.com/office/drawing/2010/main" w="9525">
                     <a:solidFill>
                       <a:srgbClr val="000000"/>
                     </a:solidFill>
@@ -13576,7 +13625,7 @@
               </a:ln>
               <a:extLst>
                 <a:ext uri="{91240B29-F687-4f45-9708-019B960494DF}">
-                  <a14:hiddenLine xmlns:a14="http://schemas.microsoft.com/office/drawing/2010/main" xmlns="" w="9525">
+                  <a14:hiddenLine xmlns="" xmlns:a14="http://schemas.microsoft.com/office/drawing/2010/main" w="9525">
                     <a:solidFill>
                       <a:srgbClr val="000000"/>
                     </a:solidFill>
@@ -13641,7 +13690,7 @@
               </a:ln>
               <a:extLst>
                 <a:ext uri="{91240B29-F687-4f45-9708-019B960494DF}">
-                  <a14:hiddenLine xmlns:a14="http://schemas.microsoft.com/office/drawing/2010/main" xmlns="" w="9525">
+                  <a14:hiddenLine xmlns="" xmlns:a14="http://schemas.microsoft.com/office/drawing/2010/main" w="9525">
                     <a:solidFill>
                       <a:srgbClr val="000000"/>
                     </a:solidFill>
@@ -13731,7 +13780,7 @@
               </a:ln>
               <a:extLst>
                 <a:ext uri="{91240B29-F687-4f45-9708-019B960494DF}">
-                  <a14:hiddenLine xmlns:a14="http://schemas.microsoft.com/office/drawing/2010/main" xmlns="" w="9525">
+                  <a14:hiddenLine xmlns="" xmlns:a14="http://schemas.microsoft.com/office/drawing/2010/main" w="9525">
                     <a:solidFill>
                       <a:srgbClr val="000000"/>
                     </a:solidFill>
@@ -13799,7 +13848,7 @@
               </a:ln>
               <a:extLst>
                 <a:ext uri="{91240B29-F687-4f45-9708-019B960494DF}">
-                  <a14:hiddenLine xmlns:a14="http://schemas.microsoft.com/office/drawing/2010/main" xmlns="" w="9525">
+                  <a14:hiddenLine xmlns="" xmlns:a14="http://schemas.microsoft.com/office/drawing/2010/main" w="9525">
                     <a:solidFill>
                       <a:srgbClr val="000000"/>
                     </a:solidFill>
@@ -13889,7 +13938,7 @@
               </a:ln>
               <a:extLst>
                 <a:ext uri="{91240B29-F687-4f45-9708-019B960494DF}">
-                  <a14:hiddenLine xmlns:a14="http://schemas.microsoft.com/office/drawing/2010/main" xmlns="" w="9525">
+                  <a14:hiddenLine xmlns="" xmlns:a14="http://schemas.microsoft.com/office/drawing/2010/main" w="9525">
                     <a:solidFill>
                       <a:srgbClr val="000000"/>
                     </a:solidFill>
@@ -13957,7 +14006,7 @@
               </a:ln>
               <a:extLst>
                 <a:ext uri="{91240B29-F687-4f45-9708-019B960494DF}">
-                  <a14:hiddenLine xmlns:a14="http://schemas.microsoft.com/office/drawing/2010/main" xmlns="" w="9525">
+                  <a14:hiddenLine xmlns="" xmlns:a14="http://schemas.microsoft.com/office/drawing/2010/main" w="9525">
                     <a:solidFill>
                       <a:srgbClr val="000000"/>
                     </a:solidFill>
@@ -14047,7 +14096,7 @@
               </a:ln>
               <a:extLst>
                 <a:ext uri="{91240B29-F687-4f45-9708-019B960494DF}">
-                  <a14:hiddenLine xmlns:a14="http://schemas.microsoft.com/office/drawing/2010/main" xmlns="" w="9525">
+                  <a14:hiddenLine xmlns="" xmlns:a14="http://schemas.microsoft.com/office/drawing/2010/main" w="9525">
                     <a:solidFill>
                       <a:srgbClr val="000000"/>
                     </a:solidFill>
@@ -14081,7 +14130,7 @@
               </a:ln>
               <a:extLst>
                 <a:ext uri="{91240B29-F687-4f45-9708-019B960494DF}">
-                  <a14:hiddenLine xmlns:a14="http://schemas.microsoft.com/office/drawing/2010/main" xmlns="" w="9525">
+                  <a14:hiddenLine xmlns="" xmlns:a14="http://schemas.microsoft.com/office/drawing/2010/main" w="9525">
                     <a:solidFill>
                       <a:srgbClr val="000000"/>
                     </a:solidFill>
